--- a/results/reservoir-model-01.06.18.pptx
+++ b/results/reservoir-model-01.06.18.pptx
@@ -5,20 +5,21 @@
     <p:sldMasterId id="2147483648" r:id="rId1"/>
   </p:sldMasterIdLst>
   <p:notesMasterIdLst>
-    <p:notesMasterId r:id="rId10"/>
+    <p:notesMasterId r:id="rId11"/>
   </p:notesMasterIdLst>
   <p:handoutMasterIdLst>
-    <p:handoutMasterId r:id="rId11"/>
+    <p:handoutMasterId r:id="rId12"/>
   </p:handoutMasterIdLst>
   <p:sldIdLst>
     <p:sldId id="256" r:id="rId2"/>
     <p:sldId id="258" r:id="rId3"/>
-    <p:sldId id="275" r:id="rId4"/>
-    <p:sldId id="266" r:id="rId5"/>
-    <p:sldId id="267" r:id="rId6"/>
-    <p:sldId id="269" r:id="rId7"/>
-    <p:sldId id="276" r:id="rId8"/>
-    <p:sldId id="277" r:id="rId9"/>
+    <p:sldId id="278" r:id="rId4"/>
+    <p:sldId id="275" r:id="rId5"/>
+    <p:sldId id="266" r:id="rId6"/>
+    <p:sldId id="267" r:id="rId7"/>
+    <p:sldId id="269" r:id="rId8"/>
+    <p:sldId id="276" r:id="rId9"/>
+    <p:sldId id="277" r:id="rId10"/>
   </p:sldIdLst>
   <p:sldSz cx="9144000" cy="6858000" type="screen4x3"/>
   <p:notesSz cx="6858000" cy="9144000"/>
@@ -124,6 +125,7 @@
           <p14:sldIdLst>
             <p14:sldId id="256"/>
             <p14:sldId id="258"/>
+            <p14:sldId id="278"/>
             <p14:sldId id="275"/>
             <p14:sldId id="266"/>
             <p14:sldId id="267"/>
@@ -248,7 +250,7 @@
           <a:p>
             <a:fld id="{B1A2FEDD-B18D-4F08-B90A-F02966C56EEE}" type="datetimeFigureOut">
               <a:rPr lang="en-US" smtClean="0"/>
-              <a:t>1/8/18</a:t>
+              <a:t>5/13/20</a:t>
             </a:fld>
             <a:endParaRPr lang="en-US"/>
           </a:p>
@@ -413,7 +415,7 @@
           <a:p>
             <a:fld id="{739AB784-4AF1-413D-AB7B-F5436CAD37BA}" type="datetimeFigureOut">
               <a:rPr lang="en-US" smtClean="0"/>
-              <a:t>1/8/18</a:t>
+              <a:t>5/13/20</a:t>
             </a:fld>
             <a:endParaRPr lang="en-US"/>
           </a:p>
@@ -479,38 +481,37 @@
           <a:p>
             <a:pPr lvl="0"/>
             <a:r>
-              <a:rPr lang="en-US" smtClean="0"/>
+              <a:rPr lang="en-US"/>
               <a:t>Click to edit Master text styles</a:t>
             </a:r>
           </a:p>
           <a:p>
             <a:pPr lvl="1"/>
             <a:r>
-              <a:rPr lang="en-US" smtClean="0"/>
+              <a:rPr lang="en-US"/>
               <a:t>Second level</a:t>
             </a:r>
           </a:p>
           <a:p>
             <a:pPr lvl="2"/>
             <a:r>
-              <a:rPr lang="en-US" smtClean="0"/>
+              <a:rPr lang="en-US"/>
               <a:t>Third level</a:t>
             </a:r>
           </a:p>
           <a:p>
             <a:pPr lvl="3"/>
             <a:r>
-              <a:rPr lang="en-US" smtClean="0"/>
+              <a:rPr lang="en-US"/>
               <a:t>Fourth level</a:t>
             </a:r>
           </a:p>
           <a:p>
             <a:pPr lvl="4"/>
             <a:r>
-              <a:rPr lang="en-US" smtClean="0"/>
+              <a:rPr lang="en-US"/>
               <a:t>Fifth level</a:t>
             </a:r>
-            <a:endParaRPr lang="en-US"/>
           </a:p>
         </p:txBody>
       </p:sp>
@@ -910,10 +911,9 @@
           </a:lstStyle>
           <a:p>
             <a:r>
-              <a:rPr lang="en-US" dirty="0" smtClean="0"/>
+              <a:rPr lang="en-US" dirty="0"/>
               <a:t>Click to edit Master title style</a:t>
             </a:r>
-            <a:endParaRPr lang="en-US" dirty="0"/>
           </a:p>
         </p:txBody>
       </p:sp>
@@ -1035,10 +1035,9 @@
           </a:lstStyle>
           <a:p>
             <a:r>
-              <a:rPr lang="en-US" dirty="0" smtClean="0"/>
+              <a:rPr lang="en-US" dirty="0"/>
               <a:t>Click to edit Master subtitle style</a:t>
             </a:r>
-            <a:endParaRPr lang="en-US" dirty="0"/>
           </a:p>
         </p:txBody>
       </p:sp>
@@ -1047,13 +1046,6 @@
   <p:clrMapOvr>
     <a:masterClrMapping/>
   </p:clrMapOvr>
-  <p:timing>
-    <p:tnLst>
-      <p:par>
-        <p:cTn id="1" dur="indefinite" restart="never" nodeType="tmRoot"/>
-      </p:par>
-    </p:tnLst>
-  </p:timing>
 </p:sldLayout>
 </file>
 
@@ -1104,10 +1096,9 @@
           </a:lstStyle>
           <a:p>
             <a:r>
-              <a:rPr lang="en-US" dirty="0" smtClean="0"/>
+              <a:rPr lang="en-US" dirty="0"/>
               <a:t>Click to edit Master title style</a:t>
             </a:r>
-            <a:endParaRPr lang="en-US" dirty="0"/>
           </a:p>
         </p:txBody>
       </p:sp>
@@ -1201,38 +1192,37 @@
           <a:p>
             <a:pPr lvl="0"/>
             <a:r>
-              <a:rPr lang="en-US" dirty="0" smtClean="0"/>
+              <a:rPr lang="en-US" dirty="0"/>
               <a:t>Click to edit Master text styles</a:t>
             </a:r>
           </a:p>
           <a:p>
             <a:pPr lvl="1"/>
             <a:r>
-              <a:rPr lang="en-US" dirty="0" smtClean="0"/>
+              <a:rPr lang="en-US" dirty="0"/>
               <a:t>Second level</a:t>
             </a:r>
           </a:p>
           <a:p>
             <a:pPr lvl="2"/>
             <a:r>
-              <a:rPr lang="en-US" dirty="0" smtClean="0"/>
+              <a:rPr lang="en-US" dirty="0"/>
               <a:t>Third level</a:t>
             </a:r>
           </a:p>
           <a:p>
             <a:pPr lvl="3"/>
             <a:r>
-              <a:rPr lang="en-US" dirty="0" smtClean="0"/>
+              <a:rPr lang="en-US" dirty="0"/>
               <a:t>Fourth level</a:t>
             </a:r>
           </a:p>
           <a:p>
             <a:pPr lvl="4"/>
             <a:r>
-              <a:rPr lang="en-US" dirty="0" smtClean="0"/>
+              <a:rPr lang="en-US" dirty="0"/>
               <a:t>Fifth level</a:t>
             </a:r>
-            <a:endParaRPr lang="en-US" dirty="0"/>
           </a:p>
         </p:txBody>
       </p:sp>
@@ -1273,10 +1263,9 @@
           </a:lstStyle>
           <a:p>
             <a:r>
-              <a:rPr lang="en-US" dirty="0" smtClean="0"/>
+              <a:rPr lang="en-US" dirty="0"/>
               <a:t>This is the footer</a:t>
             </a:r>
-            <a:endParaRPr lang="en-US" dirty="0"/>
           </a:p>
         </p:txBody>
       </p:sp>
@@ -1406,13 +1395,6 @@
   <p:clrMapOvr>
     <a:masterClrMapping/>
   </p:clrMapOvr>
-  <p:timing>
-    <p:tnLst>
-      <p:par>
-        <p:cTn id="1" dur="indefinite" restart="never" nodeType="tmRoot"/>
-      </p:par>
-    </p:tnLst>
-  </p:timing>
 </p:sldLayout>
 </file>
 
@@ -1468,10 +1450,9 @@
           </a:lstStyle>
           <a:p>
             <a:r>
-              <a:rPr lang="en-US" dirty="0" smtClean="0"/>
+              <a:rPr lang="en-US" dirty="0"/>
               <a:t>This is a section title</a:t>
             </a:r>
-            <a:endParaRPr lang="en-US" dirty="0"/>
           </a:p>
         </p:txBody>
       </p:sp>
@@ -1589,7 +1570,7 @@
           <a:p>
             <a:pPr lvl="0"/>
             <a:r>
-              <a:rPr lang="en-US" dirty="0" smtClean="0"/>
+              <a:rPr lang="en-US" dirty="0"/>
               <a:t>Click to edit Master text styles</a:t>
             </a:r>
           </a:p>
@@ -1632,10 +1613,9 @@
           </a:lstStyle>
           <a:p>
             <a:r>
-              <a:rPr lang="en-US" dirty="0" smtClean="0"/>
+              <a:rPr lang="en-US" dirty="0"/>
               <a:t>This is the footer</a:t>
             </a:r>
-            <a:endParaRPr lang="en-US" dirty="0"/>
           </a:p>
         </p:txBody>
       </p:sp>
@@ -1765,13 +1745,6 @@
   <p:clrMapOvr>
     <a:masterClrMapping/>
   </p:clrMapOvr>
-  <p:timing>
-    <p:tnLst>
-      <p:par>
-        <p:cTn id="1" dur="indefinite" restart="never" nodeType="tmRoot"/>
-      </p:par>
-    </p:tnLst>
-  </p:timing>
 </p:sldLayout>
 </file>
 
@@ -1823,10 +1796,9 @@
           <a:lstStyle/>
           <a:p>
             <a:r>
-              <a:rPr lang="en-US" dirty="0" smtClean="0"/>
+              <a:rPr lang="en-US" dirty="0"/>
               <a:t>Click to edit Master title style</a:t>
             </a:r>
-            <a:endParaRPr lang="en-US" dirty="0"/>
           </a:p>
         </p:txBody>
       </p:sp>
@@ -1857,7 +1829,7 @@
           <a:p>
             <a:pPr lvl="0"/>
             <a:r>
-              <a:rPr lang="en-US" dirty="0" smtClean="0"/>
+              <a:rPr lang="en-US" dirty="0"/>
               <a:t>Click to edit Master text styles</a:t>
             </a:r>
           </a:p>
@@ -1871,13 +1843,6 @@
     <p:sldLayoutId id="2147483650" r:id="rId2"/>
     <p:sldLayoutId id="2147483651" r:id="rId3"/>
   </p:sldLayoutIdLst>
-  <p:timing>
-    <p:tnLst>
-      <p:par>
-        <p:cTn id="1" dur="indefinite" restart="never" nodeType="tmRoot"/>
-      </p:par>
-    </p:tnLst>
-  </p:timing>
   <p:hf hdr="0" ftr="0" dt="0"/>
   <p:txStyles>
     <p:titleStyle>
@@ -2171,10 +2136,9 @@
           <a:lstStyle/>
           <a:p>
             <a:r>
-              <a:rPr lang="en-US" sz="3600" dirty="0" smtClean="0"/>
+              <a:rPr lang="en-US" sz="3600" dirty="0"/>
               <a:t>Reservoir model</a:t>
             </a:r>
-            <a:endParaRPr lang="en-US" sz="3600" dirty="0"/>
           </a:p>
         </p:txBody>
       </p:sp>
@@ -2199,7 +2163,7 @@
           <a:lstStyle/>
           <a:p>
             <a:r>
-              <a:rPr lang="en-US" dirty="0" smtClean="0"/>
+              <a:rPr lang="en-US" dirty="0"/>
               <a:t>Jan. 2018</a:t>
             </a:r>
           </a:p>
@@ -2215,13 +2179,6 @@
   <p:clrMapOvr>
     <a:masterClrMapping/>
   </p:clrMapOvr>
-  <p:timing>
-    <p:tnLst>
-      <p:par>
-        <p:cTn id="1" dur="indefinite" restart="never" nodeType="tmRoot"/>
-      </p:par>
-    </p:tnLst>
-  </p:timing>
 </p:sld>
 </file>
 
@@ -2260,10 +2217,9 @@
           <a:lstStyle/>
           <a:p>
             <a:r>
-              <a:rPr lang="en-US" sz="2800" dirty="0" smtClean="0"/>
+              <a:rPr lang="en-US" sz="2800" dirty="0"/>
               <a:t>Simplified 2-reservoir model (image/data from PCWA)</a:t>
             </a:r>
-            <a:endParaRPr lang="en-US" sz="2800" dirty="0"/>
           </a:p>
         </p:txBody>
       </p:sp>
@@ -2349,13 +2305,6 @@
   <p:clrMapOvr>
     <a:masterClrMapping/>
   </p:clrMapOvr>
-  <p:timing>
-    <p:tnLst>
-      <p:par>
-        <p:cTn id="1" dur="indefinite" restart="never" nodeType="tmRoot"/>
-      </p:par>
-    </p:tnLst>
-  </p:timing>
 </p:sld>
 </file>
 
@@ -2378,30 +2327,13 @@
       </p:grpSpPr>
       <p:sp>
         <p:nvSpPr>
-          <p:cNvPr id="2" name="Title 1"/>
-          <p:cNvSpPr>
-            <a:spLocks noGrp="1"/>
-          </p:cNvSpPr>
-          <p:nvPr>
-            <p:ph type="title"/>
-          </p:nvPr>
-        </p:nvSpPr>
-        <p:spPr/>
-        <p:txBody>
-          <a:bodyPr/>
-          <a:lstStyle/>
-          <a:p>
-            <a:r>
-              <a:rPr lang="en-US" dirty="0" smtClean="0"/>
-              <a:t>Daily flow data from USGS</a:t>
-            </a:r>
-            <a:endParaRPr lang="en-US" dirty="0"/>
-          </a:p>
-        </p:txBody>
-      </p:sp>
-      <p:sp>
-        <p:nvSpPr>
-          <p:cNvPr id="3" name="Content Placeholder 2"/>
+          <p:cNvPr id="3" name="Content Placeholder 2">
+            <a:extLst>
+              <a:ext uri="{FF2B5EF4-FFF2-40B4-BE49-F238E27FC236}">
+                <a16:creationId xmlns:a16="http://schemas.microsoft.com/office/drawing/2014/main" id="{F746A42B-D1F6-DB47-A0C9-7EDD8DD12200}"/>
+              </a:ext>
+            </a:extLst>
+          </p:cNvPr>
           <p:cNvSpPr>
             <a:spLocks noGrp="1"/>
           </p:cNvSpPr>
@@ -2410,9 +2342,9 @@
           </p:nvPr>
         </p:nvSpPr>
         <p:spPr>
-          <a:xfrm>
-            <a:off x="469187" y="1066800"/>
-            <a:ext cx="8229600" cy="2915818"/>
+          <a:xfrm rot="19770010">
+            <a:off x="4578724" y="1303026"/>
+            <a:ext cx="1500574" cy="792162"/>
           </a:xfrm>
         </p:spPr>
         <p:txBody>
@@ -2421,59 +2353,26 @@
           </a:bodyPr>
           <a:lstStyle/>
           <a:p>
-            <a:pPr marL="457200" indent="-457200">
-              <a:buFont typeface="Arial" charset="0"/>
-              <a:buChar char="•"/>
-            </a:pPr>
-            <a:r>
-              <a:rPr lang="en-US" dirty="0" smtClean="0"/>
-              <a:t>Only French Meadows inflow is changed by the hydrologic modeling</a:t>
-            </a:r>
-          </a:p>
-          <a:p>
-            <a:pPr marL="457200" indent="-457200">
-              <a:buFont typeface="Arial" charset="0"/>
-              <a:buChar char="•"/>
-            </a:pPr>
-            <a:r>
-              <a:rPr lang="en-US" dirty="0" smtClean="0"/>
-              <a:t>Model period 10/1/1980 – 9/30/2015</a:t>
-            </a:r>
-          </a:p>
-          <a:p>
-            <a:pPr marL="457200" indent="-457200">
-              <a:buFont typeface="Arial" charset="0"/>
-              <a:buChar char="•"/>
-            </a:pPr>
-            <a:r>
-              <a:rPr lang="en-US" dirty="0" smtClean="0"/>
-              <a:t>Model assumes </a:t>
-            </a:r>
-            <a:r>
-              <a:rPr lang="en-US" dirty="0" err="1" smtClean="0"/>
-              <a:t>env</a:t>
-            </a:r>
-            <a:r>
-              <a:rPr lang="en-US" dirty="0" smtClean="0"/>
-              <a:t>. flows met first</a:t>
-            </a:r>
-          </a:p>
-          <a:p>
-            <a:pPr marL="457200" indent="-457200">
-              <a:buFont typeface="Arial" charset="0"/>
-              <a:buChar char="•"/>
-            </a:pPr>
-            <a:r>
-              <a:rPr lang="en-US" dirty="0" smtClean="0"/>
-              <a:t>Then, hydropower production is calculated using a linear storage-elevation curve</a:t>
-            </a:r>
-            <a:endParaRPr lang="en-US" dirty="0"/>
+            <a:pPr marL="0" indent="0"/>
+            <a:r>
+              <a:rPr lang="en-US" sz="1400" dirty="0">
+                <a:latin typeface="Calibri" panose="020F0502020204030204" pitchFamily="34" charset="0"/>
+                <a:cs typeface="Calibri" panose="020F0502020204030204" pitchFamily="34" charset="0"/>
+              </a:rPr>
+              <a:t>Middle Fork American River</a:t>
+            </a:r>
           </a:p>
         </p:txBody>
       </p:sp>
       <p:sp>
         <p:nvSpPr>
-          <p:cNvPr id="5" name="Slide Number Placeholder 4"/>
+          <p:cNvPr id="4" name="Slide Number Placeholder 3">
+            <a:extLst>
+              <a:ext uri="{FF2B5EF4-FFF2-40B4-BE49-F238E27FC236}">
+                <a16:creationId xmlns:a16="http://schemas.microsoft.com/office/drawing/2014/main" id="{BCD30F5D-AD48-C849-BEC8-8C9FC126EF9B}"/>
+              </a:ext>
+            </a:extLst>
+          </p:cNvPr>
           <p:cNvSpPr>
             <a:spLocks noGrp="1"/>
           </p:cNvSpPr>
@@ -2495,47 +2394,1786 @@
           </a:p>
         </p:txBody>
       </p:sp>
-      <p:pic>
-        <p:nvPicPr>
-          <p:cNvPr id="6" name="Picture 5"/>
-          <p:cNvPicPr>
-            <a:picLocks noChangeAspect="1"/>
-          </p:cNvPicPr>
+      <p:cxnSp>
+        <p:nvCxnSpPr>
+          <p:cNvPr id="8" name="Straight Connector 7">
+            <a:extLst>
+              <a:ext uri="{FF2B5EF4-FFF2-40B4-BE49-F238E27FC236}">
+                <a16:creationId xmlns:a16="http://schemas.microsoft.com/office/drawing/2014/main" id="{4D7D5EC5-B270-2A49-9291-4369C68B1332}"/>
+              </a:ext>
+            </a:extLst>
+          </p:cNvPr>
+          <p:cNvCxnSpPr>
+            <a:stCxn id="5" idx="5"/>
+          </p:cNvCxnSpPr>
           <p:nvPr/>
-        </p:nvPicPr>
-        <p:blipFill>
-          <a:blip r:embed="rId2"/>
-          <a:stretch>
-            <a:fillRect/>
-          </a:stretch>
-        </p:blipFill>
+        </p:nvCxnSpPr>
         <p:spPr>
-          <a:xfrm>
-            <a:off x="-2569" y="4022768"/>
-            <a:ext cx="9144000" cy="2814684"/>
+          <a:xfrm flipV="1">
+            <a:off x="4259350" y="1004997"/>
+            <a:ext cx="1351024" cy="800101"/>
+          </a:xfrm>
+          <a:prstGeom prst="line">
+            <a:avLst/>
+          </a:prstGeom>
+          <a:ln w="57150">
+            <a:headEnd type="triangle" w="med" len="med"/>
+            <a:tailEnd type="none" w="med" len="med"/>
+          </a:ln>
+        </p:spPr>
+        <p:style>
+          <a:lnRef idx="1">
+            <a:schemeClr val="accent1"/>
+          </a:lnRef>
+          <a:fillRef idx="0">
+            <a:schemeClr val="accent1"/>
+          </a:fillRef>
+          <a:effectRef idx="0">
+            <a:schemeClr val="accent1"/>
+          </a:effectRef>
+          <a:fontRef idx="minor">
+            <a:schemeClr val="tx1"/>
+          </a:fontRef>
+        </p:style>
+      </p:cxnSp>
+      <p:cxnSp>
+        <p:nvCxnSpPr>
+          <p:cNvPr id="9" name="Straight Connector 8">
+            <a:extLst>
+              <a:ext uri="{FF2B5EF4-FFF2-40B4-BE49-F238E27FC236}">
+                <a16:creationId xmlns:a16="http://schemas.microsoft.com/office/drawing/2014/main" id="{65FA171A-722F-774A-8EA6-A9A25AB0D6F1}"/>
+              </a:ext>
+            </a:extLst>
+          </p:cNvPr>
+          <p:cNvCxnSpPr/>
+          <p:nvPr/>
+        </p:nvCxnSpPr>
+        <p:spPr>
+          <a:xfrm flipV="1">
+            <a:off x="1610869" y="2540985"/>
+            <a:ext cx="1351024" cy="800101"/>
+          </a:xfrm>
+          <a:prstGeom prst="line">
+            <a:avLst/>
+          </a:prstGeom>
+          <a:ln w="57150">
+            <a:headEnd type="triangle" w="med" len="med"/>
+            <a:tailEnd type="none" w="med" len="med"/>
+          </a:ln>
+        </p:spPr>
+        <p:style>
+          <a:lnRef idx="1">
+            <a:schemeClr val="accent1"/>
+          </a:lnRef>
+          <a:fillRef idx="0">
+            <a:schemeClr val="accent1"/>
+          </a:fillRef>
+          <a:effectRef idx="0">
+            <a:schemeClr val="accent1"/>
+          </a:effectRef>
+          <a:fontRef idx="minor">
+            <a:schemeClr val="tx1"/>
+          </a:fontRef>
+        </p:style>
+      </p:cxnSp>
+      <p:cxnSp>
+        <p:nvCxnSpPr>
+          <p:cNvPr id="10" name="Straight Connector 9">
+            <a:extLst>
+              <a:ext uri="{FF2B5EF4-FFF2-40B4-BE49-F238E27FC236}">
+                <a16:creationId xmlns:a16="http://schemas.microsoft.com/office/drawing/2014/main" id="{39DE5006-DE94-DE4A-9A94-DD764D41DBE0}"/>
+              </a:ext>
+            </a:extLst>
+          </p:cNvPr>
+          <p:cNvCxnSpPr/>
+          <p:nvPr/>
+        </p:nvCxnSpPr>
+        <p:spPr>
+          <a:xfrm flipV="1">
+            <a:off x="6535062" y="2895601"/>
+            <a:ext cx="1351024" cy="800101"/>
+          </a:xfrm>
+          <a:prstGeom prst="line">
+            <a:avLst/>
+          </a:prstGeom>
+          <a:ln w="57150">
+            <a:headEnd type="triangle" w="med" len="med"/>
+            <a:tailEnd type="none" w="med" len="med"/>
+          </a:ln>
+        </p:spPr>
+        <p:style>
+          <a:lnRef idx="1">
+            <a:schemeClr val="accent1"/>
+          </a:lnRef>
+          <a:fillRef idx="0">
+            <a:schemeClr val="accent1"/>
+          </a:fillRef>
+          <a:effectRef idx="0">
+            <a:schemeClr val="accent1"/>
+          </a:effectRef>
+          <a:fontRef idx="minor">
+            <a:schemeClr val="tx1"/>
+          </a:fontRef>
+        </p:style>
+      </p:cxnSp>
+      <p:cxnSp>
+        <p:nvCxnSpPr>
+          <p:cNvPr id="11" name="Straight Connector 10">
+            <a:extLst>
+              <a:ext uri="{FF2B5EF4-FFF2-40B4-BE49-F238E27FC236}">
+                <a16:creationId xmlns:a16="http://schemas.microsoft.com/office/drawing/2014/main" id="{5E4BBFF9-C0A9-6F46-8602-C05328DA18AB}"/>
+              </a:ext>
+            </a:extLst>
+          </p:cNvPr>
+          <p:cNvCxnSpPr/>
+          <p:nvPr/>
+        </p:nvCxnSpPr>
+        <p:spPr>
+          <a:xfrm flipV="1">
+            <a:off x="3806003" y="4481407"/>
+            <a:ext cx="1351024" cy="800101"/>
+          </a:xfrm>
+          <a:prstGeom prst="line">
+            <a:avLst/>
+          </a:prstGeom>
+          <a:ln w="57150">
+            <a:headEnd type="triangle" w="med" len="med"/>
+            <a:tailEnd type="none" w="med" len="med"/>
+          </a:ln>
+        </p:spPr>
+        <p:style>
+          <a:lnRef idx="1">
+            <a:schemeClr val="accent1"/>
+          </a:lnRef>
+          <a:fillRef idx="0">
+            <a:schemeClr val="accent1"/>
+          </a:fillRef>
+          <a:effectRef idx="0">
+            <a:schemeClr val="accent1"/>
+          </a:effectRef>
+          <a:fontRef idx="minor">
+            <a:schemeClr val="tx1"/>
+          </a:fontRef>
+        </p:style>
+      </p:cxnSp>
+      <p:sp>
+        <p:nvSpPr>
+          <p:cNvPr id="12" name="Content Placeholder 2">
+            <a:extLst>
+              <a:ext uri="{FF2B5EF4-FFF2-40B4-BE49-F238E27FC236}">
+                <a16:creationId xmlns:a16="http://schemas.microsoft.com/office/drawing/2014/main" id="{8D6C10D8-682C-D944-981A-20F0637B7A9D}"/>
+              </a:ext>
+            </a:extLst>
+          </p:cNvPr>
+          <p:cNvSpPr txBox="1">
+            <a:spLocks/>
+          </p:cNvSpPr>
+          <p:nvPr/>
+        </p:nvSpPr>
+        <p:spPr>
+          <a:xfrm rot="19770010">
+            <a:off x="6793513" y="3221592"/>
+            <a:ext cx="1500574" cy="792162"/>
           </a:xfrm>
           <a:prstGeom prst="rect">
             <a:avLst/>
           </a:prstGeom>
         </p:spPr>
-      </p:pic>
+        <p:txBody>
+          <a:bodyPr vert="horz" lIns="91440" tIns="45720" rIns="91440" bIns="45720" rtlCol="0">
+            <a:normAutofit/>
+          </a:bodyPr>
+          <a:lstStyle>
+            <a:lvl1pPr marL="342900" indent="-342900" algn="l" defTabSz="914400" rtl="0" eaLnBrk="1" latinLnBrk="0" hangingPunct="1">
+              <a:spcBef>
+                <a:spcPct val="20000"/>
+              </a:spcBef>
+              <a:buFont typeface="Arial" pitchFamily="34" charset="0"/>
+              <a:buNone/>
+              <a:defRPr sz="2800" b="0" i="0" kern="1200">
+                <a:solidFill>
+                  <a:schemeClr val="tx1">
+                    <a:lumMod val="85000"/>
+                    <a:lumOff val="15000"/>
+                  </a:schemeClr>
+                </a:solidFill>
+                <a:latin typeface="Source Sans Pro Light" charset="0"/>
+                <a:ea typeface="Source Sans Pro Light" charset="0"/>
+                <a:cs typeface="Source Sans Pro Light" charset="0"/>
+              </a:defRPr>
+            </a:lvl1pPr>
+            <a:lvl2pPr marL="742950" indent="-285750" algn="l" defTabSz="914400" rtl="0" eaLnBrk="1" latinLnBrk="0" hangingPunct="1">
+              <a:spcBef>
+                <a:spcPct val="20000"/>
+              </a:spcBef>
+              <a:buFont typeface="Arial" panose="020B0604020202020204" pitchFamily="34" charset="0"/>
+              <a:buChar char="•"/>
+              <a:defRPr sz="2400" b="0" i="0" kern="1200">
+                <a:solidFill>
+                  <a:schemeClr val="tx1">
+                    <a:lumMod val="85000"/>
+                    <a:lumOff val="15000"/>
+                  </a:schemeClr>
+                </a:solidFill>
+                <a:latin typeface="Source Sans Pro Light" charset="0"/>
+                <a:ea typeface="Source Sans Pro Light" charset="0"/>
+                <a:cs typeface="Source Sans Pro Light" charset="0"/>
+              </a:defRPr>
+            </a:lvl2pPr>
+            <a:lvl3pPr marL="1143000" indent="-228600" algn="l" defTabSz="914400" rtl="0" eaLnBrk="1" latinLnBrk="0" hangingPunct="1">
+              <a:spcBef>
+                <a:spcPct val="20000"/>
+              </a:spcBef>
+              <a:buFont typeface="Arial" pitchFamily="34" charset="0"/>
+              <a:buChar char="•"/>
+              <a:defRPr sz="2000" b="0" i="0" kern="1200">
+                <a:solidFill>
+                  <a:schemeClr val="tx1">
+                    <a:lumMod val="85000"/>
+                    <a:lumOff val="15000"/>
+                  </a:schemeClr>
+                </a:solidFill>
+                <a:latin typeface="Source Sans Pro Light" charset="0"/>
+                <a:ea typeface="Source Sans Pro Light" charset="0"/>
+                <a:cs typeface="Source Sans Pro Light" charset="0"/>
+              </a:defRPr>
+            </a:lvl3pPr>
+            <a:lvl4pPr marL="1600200" indent="-228600" algn="l" defTabSz="914400" rtl="0" eaLnBrk="1" latinLnBrk="0" hangingPunct="1">
+              <a:spcBef>
+                <a:spcPct val="20000"/>
+              </a:spcBef>
+              <a:buFont typeface="Arial" pitchFamily="34" charset="0"/>
+              <a:buChar char="–"/>
+              <a:defRPr sz="2000" b="0" i="0" kern="1200">
+                <a:solidFill>
+                  <a:schemeClr val="tx1">
+                    <a:lumMod val="85000"/>
+                    <a:lumOff val="15000"/>
+                  </a:schemeClr>
+                </a:solidFill>
+                <a:latin typeface="Source Sans Pro Light" charset="0"/>
+                <a:ea typeface="Source Sans Pro Light" charset="0"/>
+                <a:cs typeface="Source Sans Pro Light" charset="0"/>
+              </a:defRPr>
+            </a:lvl4pPr>
+            <a:lvl5pPr marL="2057400" indent="-228600" algn="l" defTabSz="914400" rtl="0" eaLnBrk="1" latinLnBrk="0" hangingPunct="1">
+              <a:spcBef>
+                <a:spcPct val="20000"/>
+              </a:spcBef>
+              <a:buFont typeface="Arial" pitchFamily="34" charset="0"/>
+              <a:buChar char="»"/>
+              <a:defRPr sz="2000" b="0" i="0" kern="1200">
+                <a:solidFill>
+                  <a:schemeClr val="tx1">
+                    <a:lumMod val="85000"/>
+                    <a:lumOff val="15000"/>
+                  </a:schemeClr>
+                </a:solidFill>
+                <a:latin typeface="Source Sans Pro Light" charset="0"/>
+                <a:ea typeface="Source Sans Pro Light" charset="0"/>
+                <a:cs typeface="Source Sans Pro Light" charset="0"/>
+              </a:defRPr>
+            </a:lvl5pPr>
+            <a:lvl6pPr marL="2514600" indent="-228600" algn="l" defTabSz="914400" rtl="0" eaLnBrk="1" latinLnBrk="0" hangingPunct="1">
+              <a:spcBef>
+                <a:spcPct val="20000"/>
+              </a:spcBef>
+              <a:buFont typeface="Arial" pitchFamily="34" charset="0"/>
+              <a:buChar char="•"/>
+              <a:defRPr sz="2000" kern="1200">
+                <a:solidFill>
+                  <a:schemeClr val="tx1"/>
+                </a:solidFill>
+                <a:latin typeface="+mn-lt"/>
+                <a:ea typeface="+mn-ea"/>
+                <a:cs typeface="+mn-cs"/>
+              </a:defRPr>
+            </a:lvl6pPr>
+            <a:lvl7pPr marL="2971800" indent="-228600" algn="l" defTabSz="914400" rtl="0" eaLnBrk="1" latinLnBrk="0" hangingPunct="1">
+              <a:spcBef>
+                <a:spcPct val="20000"/>
+              </a:spcBef>
+              <a:buFont typeface="Arial" pitchFamily="34" charset="0"/>
+              <a:buChar char="•"/>
+              <a:defRPr sz="2000" kern="1200">
+                <a:solidFill>
+                  <a:schemeClr val="tx1"/>
+                </a:solidFill>
+                <a:latin typeface="+mn-lt"/>
+                <a:ea typeface="+mn-ea"/>
+                <a:cs typeface="+mn-cs"/>
+              </a:defRPr>
+            </a:lvl7pPr>
+            <a:lvl8pPr marL="3429000" indent="-228600" algn="l" defTabSz="914400" rtl="0" eaLnBrk="1" latinLnBrk="0" hangingPunct="1">
+              <a:spcBef>
+                <a:spcPct val="20000"/>
+              </a:spcBef>
+              <a:buFont typeface="Arial" pitchFamily="34" charset="0"/>
+              <a:buChar char="•"/>
+              <a:defRPr sz="2000" kern="1200">
+                <a:solidFill>
+                  <a:schemeClr val="tx1"/>
+                </a:solidFill>
+                <a:latin typeface="+mn-lt"/>
+                <a:ea typeface="+mn-ea"/>
+                <a:cs typeface="+mn-cs"/>
+              </a:defRPr>
+            </a:lvl8pPr>
+            <a:lvl9pPr marL="3886200" indent="-228600" algn="l" defTabSz="914400" rtl="0" eaLnBrk="1" latinLnBrk="0" hangingPunct="1">
+              <a:spcBef>
+                <a:spcPct val="20000"/>
+              </a:spcBef>
+              <a:buFont typeface="Arial" pitchFamily="34" charset="0"/>
+              <a:buChar char="•"/>
+              <a:defRPr sz="2000" kern="1200">
+                <a:solidFill>
+                  <a:schemeClr val="tx1"/>
+                </a:solidFill>
+                <a:latin typeface="+mn-lt"/>
+                <a:ea typeface="+mn-ea"/>
+                <a:cs typeface="+mn-cs"/>
+              </a:defRPr>
+            </a:lvl9pPr>
+          </a:lstStyle>
+          <a:p>
+            <a:pPr marL="0" indent="0"/>
+            <a:r>
+              <a:rPr lang="en-US" sz="1400" dirty="0">
+                <a:latin typeface="Calibri" panose="020F0502020204030204" pitchFamily="34" charset="0"/>
+                <a:cs typeface="Calibri" panose="020F0502020204030204" pitchFamily="34" charset="0"/>
+              </a:rPr>
+              <a:t>Rubicon River</a:t>
+            </a:r>
+          </a:p>
+        </p:txBody>
+      </p:sp>
+      <p:cxnSp>
+        <p:nvCxnSpPr>
+          <p:cNvPr id="13" name="Straight Connector 12">
+            <a:extLst>
+              <a:ext uri="{FF2B5EF4-FFF2-40B4-BE49-F238E27FC236}">
+                <a16:creationId xmlns:a16="http://schemas.microsoft.com/office/drawing/2014/main" id="{F960976B-F403-E547-AA98-3AA9786EEC1C}"/>
+              </a:ext>
+            </a:extLst>
+          </p:cNvPr>
+          <p:cNvCxnSpPr>
+            <a:cxnSpLocks/>
+          </p:cNvCxnSpPr>
+          <p:nvPr/>
+        </p:nvCxnSpPr>
+        <p:spPr>
+          <a:xfrm>
+            <a:off x="2086771" y="1405047"/>
+            <a:ext cx="1254082" cy="406703"/>
+          </a:xfrm>
+          <a:prstGeom prst="line">
+            <a:avLst/>
+          </a:prstGeom>
+          <a:ln w="28575">
+            <a:headEnd type="none" w="med" len="med"/>
+            <a:tailEnd type="arrow" w="med" len="med"/>
+          </a:ln>
+        </p:spPr>
+        <p:style>
+          <a:lnRef idx="1">
+            <a:schemeClr val="accent1"/>
+          </a:lnRef>
+          <a:fillRef idx="0">
+            <a:schemeClr val="accent1"/>
+          </a:fillRef>
+          <a:effectRef idx="0">
+            <a:schemeClr val="accent1"/>
+          </a:effectRef>
+          <a:fontRef idx="minor">
+            <a:schemeClr val="tx1"/>
+          </a:fontRef>
+        </p:style>
+      </p:cxnSp>
+      <p:sp>
+        <p:nvSpPr>
+          <p:cNvPr id="15" name="Content Placeholder 2">
+            <a:extLst>
+              <a:ext uri="{FF2B5EF4-FFF2-40B4-BE49-F238E27FC236}">
+                <a16:creationId xmlns:a16="http://schemas.microsoft.com/office/drawing/2014/main" id="{2CA0BC41-A607-F744-A563-F4256CFD007E}"/>
+              </a:ext>
+            </a:extLst>
+          </p:cNvPr>
+          <p:cNvSpPr txBox="1">
+            <a:spLocks/>
+          </p:cNvSpPr>
+          <p:nvPr/>
+        </p:nvSpPr>
+        <p:spPr>
+          <a:xfrm rot="1159114">
+            <a:off x="2026940" y="1099216"/>
+            <a:ext cx="1500574" cy="792162"/>
+          </a:xfrm>
+          <a:prstGeom prst="rect">
+            <a:avLst/>
+          </a:prstGeom>
+        </p:spPr>
+        <p:txBody>
+          <a:bodyPr vert="horz" lIns="91440" tIns="45720" rIns="91440" bIns="45720" rtlCol="0">
+            <a:normAutofit/>
+          </a:bodyPr>
+          <a:lstStyle>
+            <a:lvl1pPr marL="342900" indent="-342900" algn="l" defTabSz="914400" rtl="0" eaLnBrk="1" latinLnBrk="0" hangingPunct="1">
+              <a:spcBef>
+                <a:spcPct val="20000"/>
+              </a:spcBef>
+              <a:buFont typeface="Arial" pitchFamily="34" charset="0"/>
+              <a:buNone/>
+              <a:defRPr sz="2800" b="0" i="0" kern="1200">
+                <a:solidFill>
+                  <a:schemeClr val="tx1">
+                    <a:lumMod val="85000"/>
+                    <a:lumOff val="15000"/>
+                  </a:schemeClr>
+                </a:solidFill>
+                <a:latin typeface="Source Sans Pro Light" charset="0"/>
+                <a:ea typeface="Source Sans Pro Light" charset="0"/>
+                <a:cs typeface="Source Sans Pro Light" charset="0"/>
+              </a:defRPr>
+            </a:lvl1pPr>
+            <a:lvl2pPr marL="742950" indent="-285750" algn="l" defTabSz="914400" rtl="0" eaLnBrk="1" latinLnBrk="0" hangingPunct="1">
+              <a:spcBef>
+                <a:spcPct val="20000"/>
+              </a:spcBef>
+              <a:buFont typeface="Arial" panose="020B0604020202020204" pitchFamily="34" charset="0"/>
+              <a:buChar char="•"/>
+              <a:defRPr sz="2400" b="0" i="0" kern="1200">
+                <a:solidFill>
+                  <a:schemeClr val="tx1">
+                    <a:lumMod val="85000"/>
+                    <a:lumOff val="15000"/>
+                  </a:schemeClr>
+                </a:solidFill>
+                <a:latin typeface="Source Sans Pro Light" charset="0"/>
+                <a:ea typeface="Source Sans Pro Light" charset="0"/>
+                <a:cs typeface="Source Sans Pro Light" charset="0"/>
+              </a:defRPr>
+            </a:lvl2pPr>
+            <a:lvl3pPr marL="1143000" indent="-228600" algn="l" defTabSz="914400" rtl="0" eaLnBrk="1" latinLnBrk="0" hangingPunct="1">
+              <a:spcBef>
+                <a:spcPct val="20000"/>
+              </a:spcBef>
+              <a:buFont typeface="Arial" pitchFamily="34" charset="0"/>
+              <a:buChar char="•"/>
+              <a:defRPr sz="2000" b="0" i="0" kern="1200">
+                <a:solidFill>
+                  <a:schemeClr val="tx1">
+                    <a:lumMod val="85000"/>
+                    <a:lumOff val="15000"/>
+                  </a:schemeClr>
+                </a:solidFill>
+                <a:latin typeface="Source Sans Pro Light" charset="0"/>
+                <a:ea typeface="Source Sans Pro Light" charset="0"/>
+                <a:cs typeface="Source Sans Pro Light" charset="0"/>
+              </a:defRPr>
+            </a:lvl3pPr>
+            <a:lvl4pPr marL="1600200" indent="-228600" algn="l" defTabSz="914400" rtl="0" eaLnBrk="1" latinLnBrk="0" hangingPunct="1">
+              <a:spcBef>
+                <a:spcPct val="20000"/>
+              </a:spcBef>
+              <a:buFont typeface="Arial" pitchFamily="34" charset="0"/>
+              <a:buChar char="–"/>
+              <a:defRPr sz="2000" b="0" i="0" kern="1200">
+                <a:solidFill>
+                  <a:schemeClr val="tx1">
+                    <a:lumMod val="85000"/>
+                    <a:lumOff val="15000"/>
+                  </a:schemeClr>
+                </a:solidFill>
+                <a:latin typeface="Source Sans Pro Light" charset="0"/>
+                <a:ea typeface="Source Sans Pro Light" charset="0"/>
+                <a:cs typeface="Source Sans Pro Light" charset="0"/>
+              </a:defRPr>
+            </a:lvl4pPr>
+            <a:lvl5pPr marL="2057400" indent="-228600" algn="l" defTabSz="914400" rtl="0" eaLnBrk="1" latinLnBrk="0" hangingPunct="1">
+              <a:spcBef>
+                <a:spcPct val="20000"/>
+              </a:spcBef>
+              <a:buFont typeface="Arial" pitchFamily="34" charset="0"/>
+              <a:buChar char="»"/>
+              <a:defRPr sz="2000" b="0" i="0" kern="1200">
+                <a:solidFill>
+                  <a:schemeClr val="tx1">
+                    <a:lumMod val="85000"/>
+                    <a:lumOff val="15000"/>
+                  </a:schemeClr>
+                </a:solidFill>
+                <a:latin typeface="Source Sans Pro Light" charset="0"/>
+                <a:ea typeface="Source Sans Pro Light" charset="0"/>
+                <a:cs typeface="Source Sans Pro Light" charset="0"/>
+              </a:defRPr>
+            </a:lvl5pPr>
+            <a:lvl6pPr marL="2514600" indent="-228600" algn="l" defTabSz="914400" rtl="0" eaLnBrk="1" latinLnBrk="0" hangingPunct="1">
+              <a:spcBef>
+                <a:spcPct val="20000"/>
+              </a:spcBef>
+              <a:buFont typeface="Arial" pitchFamily="34" charset="0"/>
+              <a:buChar char="•"/>
+              <a:defRPr sz="2000" kern="1200">
+                <a:solidFill>
+                  <a:schemeClr val="tx1"/>
+                </a:solidFill>
+                <a:latin typeface="+mn-lt"/>
+                <a:ea typeface="+mn-ea"/>
+                <a:cs typeface="+mn-cs"/>
+              </a:defRPr>
+            </a:lvl6pPr>
+            <a:lvl7pPr marL="2971800" indent="-228600" algn="l" defTabSz="914400" rtl="0" eaLnBrk="1" latinLnBrk="0" hangingPunct="1">
+              <a:spcBef>
+                <a:spcPct val="20000"/>
+              </a:spcBef>
+              <a:buFont typeface="Arial" pitchFamily="34" charset="0"/>
+              <a:buChar char="•"/>
+              <a:defRPr sz="2000" kern="1200">
+                <a:solidFill>
+                  <a:schemeClr val="tx1"/>
+                </a:solidFill>
+                <a:latin typeface="+mn-lt"/>
+                <a:ea typeface="+mn-ea"/>
+                <a:cs typeface="+mn-cs"/>
+              </a:defRPr>
+            </a:lvl7pPr>
+            <a:lvl8pPr marL="3429000" indent="-228600" algn="l" defTabSz="914400" rtl="0" eaLnBrk="1" latinLnBrk="0" hangingPunct="1">
+              <a:spcBef>
+                <a:spcPct val="20000"/>
+              </a:spcBef>
+              <a:buFont typeface="Arial" pitchFamily="34" charset="0"/>
+              <a:buChar char="•"/>
+              <a:defRPr sz="2000" kern="1200">
+                <a:solidFill>
+                  <a:schemeClr val="tx1"/>
+                </a:solidFill>
+                <a:latin typeface="+mn-lt"/>
+                <a:ea typeface="+mn-ea"/>
+                <a:cs typeface="+mn-cs"/>
+              </a:defRPr>
+            </a:lvl8pPr>
+            <a:lvl9pPr marL="3886200" indent="-228600" algn="l" defTabSz="914400" rtl="0" eaLnBrk="1" latinLnBrk="0" hangingPunct="1">
+              <a:spcBef>
+                <a:spcPct val="20000"/>
+              </a:spcBef>
+              <a:buFont typeface="Arial" pitchFamily="34" charset="0"/>
+              <a:buChar char="•"/>
+              <a:defRPr sz="2000" kern="1200">
+                <a:solidFill>
+                  <a:schemeClr val="tx1"/>
+                </a:solidFill>
+                <a:latin typeface="+mn-lt"/>
+                <a:ea typeface="+mn-ea"/>
+                <a:cs typeface="+mn-cs"/>
+              </a:defRPr>
+            </a:lvl9pPr>
+          </a:lstStyle>
+          <a:p>
+            <a:pPr marL="0" indent="0"/>
+            <a:r>
+              <a:rPr lang="en-US" sz="1400" dirty="0">
+                <a:latin typeface="Calibri" panose="020F0502020204030204" pitchFamily="34" charset="0"/>
+                <a:cs typeface="Calibri" panose="020F0502020204030204" pitchFamily="34" charset="0"/>
+              </a:rPr>
+              <a:t>Duncan Creek Diversion</a:t>
+            </a:r>
+          </a:p>
+        </p:txBody>
+      </p:sp>
+      <p:cxnSp>
+        <p:nvCxnSpPr>
+          <p:cNvPr id="16" name="Straight Connector 15">
+            <a:extLst>
+              <a:ext uri="{FF2B5EF4-FFF2-40B4-BE49-F238E27FC236}">
+                <a16:creationId xmlns:a16="http://schemas.microsoft.com/office/drawing/2014/main" id="{6910DB82-7E3B-4A4C-AD98-F92644117EBD}"/>
+              </a:ext>
+            </a:extLst>
+          </p:cNvPr>
+          <p:cNvCxnSpPr>
+            <a:cxnSpLocks/>
+          </p:cNvCxnSpPr>
+          <p:nvPr/>
+        </p:nvCxnSpPr>
+        <p:spPr>
+          <a:xfrm>
+            <a:off x="4214389" y="2594689"/>
+            <a:ext cx="1395985" cy="806753"/>
+          </a:xfrm>
+          <a:prstGeom prst="line">
+            <a:avLst/>
+          </a:prstGeom>
+          <a:ln w="57150">
+            <a:solidFill>
+              <a:schemeClr val="tx1"/>
+            </a:solidFill>
+            <a:headEnd type="none" w="med" len="med"/>
+            <a:tailEnd type="triangle" w="med" len="med"/>
+          </a:ln>
+        </p:spPr>
+        <p:style>
+          <a:lnRef idx="1">
+            <a:schemeClr val="accent1"/>
+          </a:lnRef>
+          <a:fillRef idx="0">
+            <a:schemeClr val="accent1"/>
+          </a:fillRef>
+          <a:effectRef idx="0">
+            <a:schemeClr val="accent1"/>
+          </a:effectRef>
+          <a:fontRef idx="minor">
+            <a:schemeClr val="tx1"/>
+          </a:fontRef>
+        </p:style>
+      </p:cxnSp>
+      <p:cxnSp>
+        <p:nvCxnSpPr>
+          <p:cNvPr id="20" name="Straight Connector 19">
+            <a:extLst>
+              <a:ext uri="{FF2B5EF4-FFF2-40B4-BE49-F238E27FC236}">
+                <a16:creationId xmlns:a16="http://schemas.microsoft.com/office/drawing/2014/main" id="{14784FF9-9D6C-C94A-AF9F-34E0DCDBFD5D}"/>
+              </a:ext>
+            </a:extLst>
+          </p:cNvPr>
+          <p:cNvCxnSpPr>
+            <a:cxnSpLocks/>
+          </p:cNvCxnSpPr>
+          <p:nvPr/>
+        </p:nvCxnSpPr>
+        <p:spPr>
+          <a:xfrm>
+            <a:off x="2181374" y="3401442"/>
+            <a:ext cx="3429000" cy="477756"/>
+          </a:xfrm>
+          <a:prstGeom prst="line">
+            <a:avLst/>
+          </a:prstGeom>
+          <a:ln w="57150">
+            <a:solidFill>
+              <a:schemeClr val="tx1"/>
+            </a:solidFill>
+            <a:headEnd type="triangle" w="med" len="med"/>
+            <a:tailEnd type="none" w="med" len="med"/>
+          </a:ln>
+        </p:spPr>
+        <p:style>
+          <a:lnRef idx="1">
+            <a:schemeClr val="accent1"/>
+          </a:lnRef>
+          <a:fillRef idx="0">
+            <a:schemeClr val="accent1"/>
+          </a:fillRef>
+          <a:effectRef idx="0">
+            <a:schemeClr val="accent1"/>
+          </a:effectRef>
+          <a:fontRef idx="minor">
+            <a:schemeClr val="tx1"/>
+          </a:fontRef>
+        </p:style>
+      </p:cxnSp>
+      <p:sp>
+        <p:nvSpPr>
+          <p:cNvPr id="6" name="Triangle 5">
+            <a:extLst>
+              <a:ext uri="{FF2B5EF4-FFF2-40B4-BE49-F238E27FC236}">
+                <a16:creationId xmlns:a16="http://schemas.microsoft.com/office/drawing/2014/main" id="{8E19E120-94FF-B244-9322-368075641B7C}"/>
+              </a:ext>
+            </a:extLst>
+          </p:cNvPr>
+          <p:cNvSpPr/>
+          <p:nvPr/>
+        </p:nvSpPr>
+        <p:spPr>
+          <a:xfrm>
+            <a:off x="5153174" y="2895602"/>
+            <a:ext cx="1856233" cy="1600200"/>
+          </a:xfrm>
+          <a:prstGeom prst="triangle">
+            <a:avLst/>
+          </a:prstGeom>
+        </p:spPr>
+        <p:style>
+          <a:lnRef idx="2">
+            <a:schemeClr val="accent1">
+              <a:shade val="50000"/>
+            </a:schemeClr>
+          </a:lnRef>
+          <a:fillRef idx="1">
+            <a:schemeClr val="accent1"/>
+          </a:fillRef>
+          <a:effectRef idx="0">
+            <a:schemeClr val="accent1"/>
+          </a:effectRef>
+          <a:fontRef idx="minor">
+            <a:schemeClr val="lt1"/>
+          </a:fontRef>
+        </p:style>
+        <p:txBody>
+          <a:bodyPr rtlCol="0" anchor="ctr"/>
+          <a:lstStyle/>
+          <a:p>
+            <a:pPr algn="ctr"/>
+            <a:r>
+              <a:rPr lang="en-US" sz="1400" dirty="0"/>
+              <a:t>Hell Hole Reservoir</a:t>
+            </a:r>
+          </a:p>
+          <a:p>
+            <a:pPr algn="ctr"/>
+            <a:r>
+              <a:rPr lang="en-US" sz="1400" dirty="0"/>
+              <a:t>207.6 TAF</a:t>
+            </a:r>
+          </a:p>
+        </p:txBody>
+      </p:sp>
+      <p:sp>
+        <p:nvSpPr>
+          <p:cNvPr id="5" name="Triangle 4">
+            <a:extLst>
+              <a:ext uri="{FF2B5EF4-FFF2-40B4-BE49-F238E27FC236}">
+                <a16:creationId xmlns:a16="http://schemas.microsoft.com/office/drawing/2014/main" id="{883016BE-C58C-DC45-A4BB-0952BD028043}"/>
+              </a:ext>
+            </a:extLst>
+          </p:cNvPr>
+          <p:cNvSpPr/>
+          <p:nvPr/>
+        </p:nvSpPr>
+        <p:spPr>
+          <a:xfrm>
+            <a:off x="2867174" y="1004997"/>
+            <a:ext cx="1856234" cy="1600201"/>
+          </a:xfrm>
+          <a:prstGeom prst="triangle">
+            <a:avLst/>
+          </a:prstGeom>
+        </p:spPr>
+        <p:style>
+          <a:lnRef idx="2">
+            <a:schemeClr val="accent1">
+              <a:shade val="50000"/>
+            </a:schemeClr>
+          </a:lnRef>
+          <a:fillRef idx="1">
+            <a:schemeClr val="accent1"/>
+          </a:fillRef>
+          <a:effectRef idx="0">
+            <a:schemeClr val="accent1"/>
+          </a:effectRef>
+          <a:fontRef idx="minor">
+            <a:schemeClr val="lt1"/>
+          </a:fontRef>
+        </p:style>
+        <p:txBody>
+          <a:bodyPr rtlCol="0" anchor="ctr"/>
+          <a:lstStyle/>
+          <a:p>
+            <a:pPr algn="ctr"/>
+            <a:r>
+              <a:rPr lang="en-US" sz="1400" dirty="0"/>
+              <a:t>French Meadows Reservoir</a:t>
+            </a:r>
+          </a:p>
+          <a:p>
+            <a:pPr algn="ctr"/>
+            <a:r>
+              <a:rPr lang="en-US" sz="1400" dirty="0"/>
+              <a:t>136.4 TAF</a:t>
+            </a:r>
+          </a:p>
+        </p:txBody>
+      </p:sp>
+      <p:sp>
+        <p:nvSpPr>
+          <p:cNvPr id="27" name="Rectangle 26">
+            <a:extLst>
+              <a:ext uri="{FF2B5EF4-FFF2-40B4-BE49-F238E27FC236}">
+                <a16:creationId xmlns:a16="http://schemas.microsoft.com/office/drawing/2014/main" id="{EF2129C0-8DBF-C747-A97D-60D1022991FE}"/>
+              </a:ext>
+            </a:extLst>
+          </p:cNvPr>
+          <p:cNvSpPr/>
+          <p:nvPr/>
+        </p:nvSpPr>
+        <p:spPr>
+          <a:xfrm>
+            <a:off x="5602109" y="3370244"/>
+            <a:ext cx="259367" cy="259367"/>
+          </a:xfrm>
+          <a:prstGeom prst="rect">
+            <a:avLst/>
+          </a:prstGeom>
+          <a:solidFill>
+            <a:srgbClr val="FFFF00"/>
+          </a:solidFill>
+          <a:ln w="38100">
+            <a:solidFill>
+              <a:schemeClr val="tx1"/>
+            </a:solidFill>
+          </a:ln>
+        </p:spPr>
+        <p:style>
+          <a:lnRef idx="2">
+            <a:schemeClr val="accent1">
+              <a:shade val="50000"/>
+            </a:schemeClr>
+          </a:lnRef>
+          <a:fillRef idx="1">
+            <a:schemeClr val="accent1"/>
+          </a:fillRef>
+          <a:effectRef idx="0">
+            <a:schemeClr val="accent1"/>
+          </a:effectRef>
+          <a:fontRef idx="minor">
+            <a:schemeClr val="lt1"/>
+          </a:fontRef>
+        </p:style>
+        <p:txBody>
+          <a:bodyPr rtlCol="0" anchor="ctr"/>
+          <a:lstStyle/>
+          <a:p>
+            <a:pPr algn="ctr"/>
+            <a:endParaRPr lang="en-US"/>
+          </a:p>
+        </p:txBody>
+      </p:sp>
+      <p:sp>
+        <p:nvSpPr>
+          <p:cNvPr id="28" name="Rectangle 27">
+            <a:extLst>
+              <a:ext uri="{FF2B5EF4-FFF2-40B4-BE49-F238E27FC236}">
+                <a16:creationId xmlns:a16="http://schemas.microsoft.com/office/drawing/2014/main" id="{570FEFA8-D58D-DA47-928B-4F343E24770B}"/>
+              </a:ext>
+            </a:extLst>
+          </p:cNvPr>
+          <p:cNvSpPr/>
+          <p:nvPr/>
+        </p:nvSpPr>
+        <p:spPr>
+          <a:xfrm>
+            <a:off x="1915634" y="3271758"/>
+            <a:ext cx="259367" cy="259367"/>
+          </a:xfrm>
+          <a:prstGeom prst="rect">
+            <a:avLst/>
+          </a:prstGeom>
+          <a:solidFill>
+            <a:srgbClr val="FFFF00"/>
+          </a:solidFill>
+          <a:ln w="38100">
+            <a:solidFill>
+              <a:schemeClr val="tx1"/>
+            </a:solidFill>
+          </a:ln>
+        </p:spPr>
+        <p:style>
+          <a:lnRef idx="2">
+            <a:schemeClr val="accent1">
+              <a:shade val="50000"/>
+            </a:schemeClr>
+          </a:lnRef>
+          <a:fillRef idx="1">
+            <a:schemeClr val="accent1"/>
+          </a:fillRef>
+          <a:effectRef idx="0">
+            <a:schemeClr val="accent1"/>
+          </a:effectRef>
+          <a:fontRef idx="minor">
+            <a:schemeClr val="lt1"/>
+          </a:fontRef>
+        </p:style>
+        <p:txBody>
+          <a:bodyPr rtlCol="0" anchor="ctr"/>
+          <a:lstStyle/>
+          <a:p>
+            <a:pPr algn="ctr"/>
+            <a:endParaRPr lang="en-US"/>
+          </a:p>
+        </p:txBody>
+      </p:sp>
+      <p:sp>
+        <p:nvSpPr>
+          <p:cNvPr id="29" name="Content Placeholder 2">
+            <a:extLst>
+              <a:ext uri="{FF2B5EF4-FFF2-40B4-BE49-F238E27FC236}">
+                <a16:creationId xmlns:a16="http://schemas.microsoft.com/office/drawing/2014/main" id="{9B4DE36B-280B-1448-BFEF-D2055D980151}"/>
+              </a:ext>
+            </a:extLst>
+          </p:cNvPr>
+          <p:cNvSpPr txBox="1">
+            <a:spLocks/>
+          </p:cNvSpPr>
+          <p:nvPr/>
+        </p:nvSpPr>
+        <p:spPr>
+          <a:xfrm>
+            <a:off x="5111189" y="2403152"/>
+            <a:ext cx="1500574" cy="792162"/>
+          </a:xfrm>
+          <a:prstGeom prst="rect">
+            <a:avLst/>
+          </a:prstGeom>
+        </p:spPr>
+        <p:txBody>
+          <a:bodyPr vert="horz" lIns="91440" tIns="45720" rIns="91440" bIns="45720" rtlCol="0">
+            <a:normAutofit/>
+          </a:bodyPr>
+          <a:lstStyle>
+            <a:lvl1pPr marL="342900" indent="-342900" algn="l" defTabSz="914400" rtl="0" eaLnBrk="1" latinLnBrk="0" hangingPunct="1">
+              <a:spcBef>
+                <a:spcPct val="20000"/>
+              </a:spcBef>
+              <a:buFont typeface="Arial" pitchFamily="34" charset="0"/>
+              <a:buNone/>
+              <a:defRPr sz="2800" b="0" i="0" kern="1200">
+                <a:solidFill>
+                  <a:schemeClr val="tx1">
+                    <a:lumMod val="85000"/>
+                    <a:lumOff val="15000"/>
+                  </a:schemeClr>
+                </a:solidFill>
+                <a:latin typeface="Source Sans Pro Light" charset="0"/>
+                <a:ea typeface="Source Sans Pro Light" charset="0"/>
+                <a:cs typeface="Source Sans Pro Light" charset="0"/>
+              </a:defRPr>
+            </a:lvl1pPr>
+            <a:lvl2pPr marL="742950" indent="-285750" algn="l" defTabSz="914400" rtl="0" eaLnBrk="1" latinLnBrk="0" hangingPunct="1">
+              <a:spcBef>
+                <a:spcPct val="20000"/>
+              </a:spcBef>
+              <a:buFont typeface="Arial" panose="020B0604020202020204" pitchFamily="34" charset="0"/>
+              <a:buChar char="•"/>
+              <a:defRPr sz="2400" b="0" i="0" kern="1200">
+                <a:solidFill>
+                  <a:schemeClr val="tx1">
+                    <a:lumMod val="85000"/>
+                    <a:lumOff val="15000"/>
+                  </a:schemeClr>
+                </a:solidFill>
+                <a:latin typeface="Source Sans Pro Light" charset="0"/>
+                <a:ea typeface="Source Sans Pro Light" charset="0"/>
+                <a:cs typeface="Source Sans Pro Light" charset="0"/>
+              </a:defRPr>
+            </a:lvl2pPr>
+            <a:lvl3pPr marL="1143000" indent="-228600" algn="l" defTabSz="914400" rtl="0" eaLnBrk="1" latinLnBrk="0" hangingPunct="1">
+              <a:spcBef>
+                <a:spcPct val="20000"/>
+              </a:spcBef>
+              <a:buFont typeface="Arial" pitchFamily="34" charset="0"/>
+              <a:buChar char="•"/>
+              <a:defRPr sz="2000" b="0" i="0" kern="1200">
+                <a:solidFill>
+                  <a:schemeClr val="tx1">
+                    <a:lumMod val="85000"/>
+                    <a:lumOff val="15000"/>
+                  </a:schemeClr>
+                </a:solidFill>
+                <a:latin typeface="Source Sans Pro Light" charset="0"/>
+                <a:ea typeface="Source Sans Pro Light" charset="0"/>
+                <a:cs typeface="Source Sans Pro Light" charset="0"/>
+              </a:defRPr>
+            </a:lvl3pPr>
+            <a:lvl4pPr marL="1600200" indent="-228600" algn="l" defTabSz="914400" rtl="0" eaLnBrk="1" latinLnBrk="0" hangingPunct="1">
+              <a:spcBef>
+                <a:spcPct val="20000"/>
+              </a:spcBef>
+              <a:buFont typeface="Arial" pitchFamily="34" charset="0"/>
+              <a:buChar char="–"/>
+              <a:defRPr sz="2000" b="0" i="0" kern="1200">
+                <a:solidFill>
+                  <a:schemeClr val="tx1">
+                    <a:lumMod val="85000"/>
+                    <a:lumOff val="15000"/>
+                  </a:schemeClr>
+                </a:solidFill>
+                <a:latin typeface="Source Sans Pro Light" charset="0"/>
+                <a:ea typeface="Source Sans Pro Light" charset="0"/>
+                <a:cs typeface="Source Sans Pro Light" charset="0"/>
+              </a:defRPr>
+            </a:lvl4pPr>
+            <a:lvl5pPr marL="2057400" indent="-228600" algn="l" defTabSz="914400" rtl="0" eaLnBrk="1" latinLnBrk="0" hangingPunct="1">
+              <a:spcBef>
+                <a:spcPct val="20000"/>
+              </a:spcBef>
+              <a:buFont typeface="Arial" pitchFamily="34" charset="0"/>
+              <a:buChar char="»"/>
+              <a:defRPr sz="2000" b="0" i="0" kern="1200">
+                <a:solidFill>
+                  <a:schemeClr val="tx1">
+                    <a:lumMod val="85000"/>
+                    <a:lumOff val="15000"/>
+                  </a:schemeClr>
+                </a:solidFill>
+                <a:latin typeface="Source Sans Pro Light" charset="0"/>
+                <a:ea typeface="Source Sans Pro Light" charset="0"/>
+                <a:cs typeface="Source Sans Pro Light" charset="0"/>
+              </a:defRPr>
+            </a:lvl5pPr>
+            <a:lvl6pPr marL="2514600" indent="-228600" algn="l" defTabSz="914400" rtl="0" eaLnBrk="1" latinLnBrk="0" hangingPunct="1">
+              <a:spcBef>
+                <a:spcPct val="20000"/>
+              </a:spcBef>
+              <a:buFont typeface="Arial" pitchFamily="34" charset="0"/>
+              <a:buChar char="•"/>
+              <a:defRPr sz="2000" kern="1200">
+                <a:solidFill>
+                  <a:schemeClr val="tx1"/>
+                </a:solidFill>
+                <a:latin typeface="+mn-lt"/>
+                <a:ea typeface="+mn-ea"/>
+                <a:cs typeface="+mn-cs"/>
+              </a:defRPr>
+            </a:lvl6pPr>
+            <a:lvl7pPr marL="2971800" indent="-228600" algn="l" defTabSz="914400" rtl="0" eaLnBrk="1" latinLnBrk="0" hangingPunct="1">
+              <a:spcBef>
+                <a:spcPct val="20000"/>
+              </a:spcBef>
+              <a:buFont typeface="Arial" pitchFamily="34" charset="0"/>
+              <a:buChar char="•"/>
+              <a:defRPr sz="2000" kern="1200">
+                <a:solidFill>
+                  <a:schemeClr val="tx1"/>
+                </a:solidFill>
+                <a:latin typeface="+mn-lt"/>
+                <a:ea typeface="+mn-ea"/>
+                <a:cs typeface="+mn-cs"/>
+              </a:defRPr>
+            </a:lvl7pPr>
+            <a:lvl8pPr marL="3429000" indent="-228600" algn="l" defTabSz="914400" rtl="0" eaLnBrk="1" latinLnBrk="0" hangingPunct="1">
+              <a:spcBef>
+                <a:spcPct val="20000"/>
+              </a:spcBef>
+              <a:buFont typeface="Arial" pitchFamily="34" charset="0"/>
+              <a:buChar char="•"/>
+              <a:defRPr sz="2000" kern="1200">
+                <a:solidFill>
+                  <a:schemeClr val="tx1"/>
+                </a:solidFill>
+                <a:latin typeface="+mn-lt"/>
+                <a:ea typeface="+mn-ea"/>
+                <a:cs typeface="+mn-cs"/>
+              </a:defRPr>
+            </a:lvl8pPr>
+            <a:lvl9pPr marL="3886200" indent="-228600" algn="l" defTabSz="914400" rtl="0" eaLnBrk="1" latinLnBrk="0" hangingPunct="1">
+              <a:spcBef>
+                <a:spcPct val="20000"/>
+              </a:spcBef>
+              <a:buFont typeface="Arial" pitchFamily="34" charset="0"/>
+              <a:buChar char="•"/>
+              <a:defRPr sz="2000" kern="1200">
+                <a:solidFill>
+                  <a:schemeClr val="tx1"/>
+                </a:solidFill>
+                <a:latin typeface="+mn-lt"/>
+                <a:ea typeface="+mn-ea"/>
+                <a:cs typeface="+mn-cs"/>
+              </a:defRPr>
+            </a:lvl9pPr>
+          </a:lstStyle>
+          <a:p>
+            <a:pPr marL="0" indent="0"/>
+            <a:r>
+              <a:rPr lang="en-US" sz="1400" dirty="0">
+                <a:latin typeface="Calibri" panose="020F0502020204030204" pitchFamily="34" charset="0"/>
+                <a:cs typeface="Calibri" panose="020F0502020204030204" pitchFamily="34" charset="0"/>
+              </a:rPr>
+              <a:t>French Meadows Powerhouse</a:t>
+            </a:r>
+          </a:p>
+          <a:p>
+            <a:pPr marL="0" indent="0"/>
+            <a:r>
+              <a:rPr lang="en-US" sz="1400" dirty="0">
+                <a:latin typeface="Calibri" panose="020F0502020204030204" pitchFamily="34" charset="0"/>
+                <a:cs typeface="Calibri" panose="020F0502020204030204" pitchFamily="34" charset="0"/>
+              </a:rPr>
+              <a:t>15.3 MW</a:t>
+            </a:r>
+          </a:p>
+        </p:txBody>
+      </p:sp>
+      <p:sp>
+        <p:nvSpPr>
+          <p:cNvPr id="30" name="Content Placeholder 2">
+            <a:extLst>
+              <a:ext uri="{FF2B5EF4-FFF2-40B4-BE49-F238E27FC236}">
+                <a16:creationId xmlns:a16="http://schemas.microsoft.com/office/drawing/2014/main" id="{B0AC2717-357E-904F-80E2-F9C91785A30A}"/>
+              </a:ext>
+            </a:extLst>
+          </p:cNvPr>
+          <p:cNvSpPr txBox="1">
+            <a:spLocks/>
+          </p:cNvSpPr>
+          <p:nvPr/>
+        </p:nvSpPr>
+        <p:spPr>
+          <a:xfrm>
+            <a:off x="1610869" y="3543473"/>
+            <a:ext cx="1500574" cy="792162"/>
+          </a:xfrm>
+          <a:prstGeom prst="rect">
+            <a:avLst/>
+          </a:prstGeom>
+        </p:spPr>
+        <p:txBody>
+          <a:bodyPr vert="horz" lIns="91440" tIns="45720" rIns="91440" bIns="45720" rtlCol="0">
+            <a:normAutofit/>
+          </a:bodyPr>
+          <a:lstStyle>
+            <a:lvl1pPr marL="342900" indent="-342900" algn="l" defTabSz="914400" rtl="0" eaLnBrk="1" latinLnBrk="0" hangingPunct="1">
+              <a:spcBef>
+                <a:spcPct val="20000"/>
+              </a:spcBef>
+              <a:buFont typeface="Arial" pitchFamily="34" charset="0"/>
+              <a:buNone/>
+              <a:defRPr sz="2800" b="0" i="0" kern="1200">
+                <a:solidFill>
+                  <a:schemeClr val="tx1">
+                    <a:lumMod val="85000"/>
+                    <a:lumOff val="15000"/>
+                  </a:schemeClr>
+                </a:solidFill>
+                <a:latin typeface="Source Sans Pro Light" charset="0"/>
+                <a:ea typeface="Source Sans Pro Light" charset="0"/>
+                <a:cs typeface="Source Sans Pro Light" charset="0"/>
+              </a:defRPr>
+            </a:lvl1pPr>
+            <a:lvl2pPr marL="742950" indent="-285750" algn="l" defTabSz="914400" rtl="0" eaLnBrk="1" latinLnBrk="0" hangingPunct="1">
+              <a:spcBef>
+                <a:spcPct val="20000"/>
+              </a:spcBef>
+              <a:buFont typeface="Arial" panose="020B0604020202020204" pitchFamily="34" charset="0"/>
+              <a:buChar char="•"/>
+              <a:defRPr sz="2400" b="0" i="0" kern="1200">
+                <a:solidFill>
+                  <a:schemeClr val="tx1">
+                    <a:lumMod val="85000"/>
+                    <a:lumOff val="15000"/>
+                  </a:schemeClr>
+                </a:solidFill>
+                <a:latin typeface="Source Sans Pro Light" charset="0"/>
+                <a:ea typeface="Source Sans Pro Light" charset="0"/>
+                <a:cs typeface="Source Sans Pro Light" charset="0"/>
+              </a:defRPr>
+            </a:lvl2pPr>
+            <a:lvl3pPr marL="1143000" indent="-228600" algn="l" defTabSz="914400" rtl="0" eaLnBrk="1" latinLnBrk="0" hangingPunct="1">
+              <a:spcBef>
+                <a:spcPct val="20000"/>
+              </a:spcBef>
+              <a:buFont typeface="Arial" pitchFamily="34" charset="0"/>
+              <a:buChar char="•"/>
+              <a:defRPr sz="2000" b="0" i="0" kern="1200">
+                <a:solidFill>
+                  <a:schemeClr val="tx1">
+                    <a:lumMod val="85000"/>
+                    <a:lumOff val="15000"/>
+                  </a:schemeClr>
+                </a:solidFill>
+                <a:latin typeface="Source Sans Pro Light" charset="0"/>
+                <a:ea typeface="Source Sans Pro Light" charset="0"/>
+                <a:cs typeface="Source Sans Pro Light" charset="0"/>
+              </a:defRPr>
+            </a:lvl3pPr>
+            <a:lvl4pPr marL="1600200" indent="-228600" algn="l" defTabSz="914400" rtl="0" eaLnBrk="1" latinLnBrk="0" hangingPunct="1">
+              <a:spcBef>
+                <a:spcPct val="20000"/>
+              </a:spcBef>
+              <a:buFont typeface="Arial" pitchFamily="34" charset="0"/>
+              <a:buChar char="–"/>
+              <a:defRPr sz="2000" b="0" i="0" kern="1200">
+                <a:solidFill>
+                  <a:schemeClr val="tx1">
+                    <a:lumMod val="85000"/>
+                    <a:lumOff val="15000"/>
+                  </a:schemeClr>
+                </a:solidFill>
+                <a:latin typeface="Source Sans Pro Light" charset="0"/>
+                <a:ea typeface="Source Sans Pro Light" charset="0"/>
+                <a:cs typeface="Source Sans Pro Light" charset="0"/>
+              </a:defRPr>
+            </a:lvl4pPr>
+            <a:lvl5pPr marL="2057400" indent="-228600" algn="l" defTabSz="914400" rtl="0" eaLnBrk="1" latinLnBrk="0" hangingPunct="1">
+              <a:spcBef>
+                <a:spcPct val="20000"/>
+              </a:spcBef>
+              <a:buFont typeface="Arial" pitchFamily="34" charset="0"/>
+              <a:buChar char="»"/>
+              <a:defRPr sz="2000" b="0" i="0" kern="1200">
+                <a:solidFill>
+                  <a:schemeClr val="tx1">
+                    <a:lumMod val="85000"/>
+                    <a:lumOff val="15000"/>
+                  </a:schemeClr>
+                </a:solidFill>
+                <a:latin typeface="Source Sans Pro Light" charset="0"/>
+                <a:ea typeface="Source Sans Pro Light" charset="0"/>
+                <a:cs typeface="Source Sans Pro Light" charset="0"/>
+              </a:defRPr>
+            </a:lvl5pPr>
+            <a:lvl6pPr marL="2514600" indent="-228600" algn="l" defTabSz="914400" rtl="0" eaLnBrk="1" latinLnBrk="0" hangingPunct="1">
+              <a:spcBef>
+                <a:spcPct val="20000"/>
+              </a:spcBef>
+              <a:buFont typeface="Arial" pitchFamily="34" charset="0"/>
+              <a:buChar char="•"/>
+              <a:defRPr sz="2000" kern="1200">
+                <a:solidFill>
+                  <a:schemeClr val="tx1"/>
+                </a:solidFill>
+                <a:latin typeface="+mn-lt"/>
+                <a:ea typeface="+mn-ea"/>
+                <a:cs typeface="+mn-cs"/>
+              </a:defRPr>
+            </a:lvl6pPr>
+            <a:lvl7pPr marL="2971800" indent="-228600" algn="l" defTabSz="914400" rtl="0" eaLnBrk="1" latinLnBrk="0" hangingPunct="1">
+              <a:spcBef>
+                <a:spcPct val="20000"/>
+              </a:spcBef>
+              <a:buFont typeface="Arial" pitchFamily="34" charset="0"/>
+              <a:buChar char="•"/>
+              <a:defRPr sz="2000" kern="1200">
+                <a:solidFill>
+                  <a:schemeClr val="tx1"/>
+                </a:solidFill>
+                <a:latin typeface="+mn-lt"/>
+                <a:ea typeface="+mn-ea"/>
+                <a:cs typeface="+mn-cs"/>
+              </a:defRPr>
+            </a:lvl7pPr>
+            <a:lvl8pPr marL="3429000" indent="-228600" algn="l" defTabSz="914400" rtl="0" eaLnBrk="1" latinLnBrk="0" hangingPunct="1">
+              <a:spcBef>
+                <a:spcPct val="20000"/>
+              </a:spcBef>
+              <a:buFont typeface="Arial" pitchFamily="34" charset="0"/>
+              <a:buChar char="•"/>
+              <a:defRPr sz="2000" kern="1200">
+                <a:solidFill>
+                  <a:schemeClr val="tx1"/>
+                </a:solidFill>
+                <a:latin typeface="+mn-lt"/>
+                <a:ea typeface="+mn-ea"/>
+                <a:cs typeface="+mn-cs"/>
+              </a:defRPr>
+            </a:lvl8pPr>
+            <a:lvl9pPr marL="3886200" indent="-228600" algn="l" defTabSz="914400" rtl="0" eaLnBrk="1" latinLnBrk="0" hangingPunct="1">
+              <a:spcBef>
+                <a:spcPct val="20000"/>
+              </a:spcBef>
+              <a:buFont typeface="Arial" pitchFamily="34" charset="0"/>
+              <a:buChar char="•"/>
+              <a:defRPr sz="2000" kern="1200">
+                <a:solidFill>
+                  <a:schemeClr val="tx1"/>
+                </a:solidFill>
+                <a:latin typeface="+mn-lt"/>
+                <a:ea typeface="+mn-ea"/>
+                <a:cs typeface="+mn-cs"/>
+              </a:defRPr>
+            </a:lvl9pPr>
+          </a:lstStyle>
+          <a:p>
+            <a:pPr marL="0" indent="0"/>
+            <a:r>
+              <a:rPr lang="en-US" sz="1400" dirty="0">
+                <a:latin typeface="Calibri" panose="020F0502020204030204" pitchFamily="34" charset="0"/>
+                <a:cs typeface="Calibri" panose="020F0502020204030204" pitchFamily="34" charset="0"/>
+              </a:rPr>
+              <a:t>Middle Fork Powerhouse</a:t>
+            </a:r>
+          </a:p>
+          <a:p>
+            <a:pPr marL="0" indent="0"/>
+            <a:r>
+              <a:rPr lang="en-US" sz="1400" dirty="0">
+                <a:latin typeface="Calibri" panose="020F0502020204030204" pitchFamily="34" charset="0"/>
+                <a:cs typeface="Calibri" panose="020F0502020204030204" pitchFamily="34" charset="0"/>
+              </a:rPr>
+              <a:t>122.4 MW</a:t>
+            </a:r>
+          </a:p>
+        </p:txBody>
+      </p:sp>
+      <p:cxnSp>
+        <p:nvCxnSpPr>
+          <p:cNvPr id="32" name="Straight Connector 31">
+            <a:extLst>
+              <a:ext uri="{FF2B5EF4-FFF2-40B4-BE49-F238E27FC236}">
+                <a16:creationId xmlns:a16="http://schemas.microsoft.com/office/drawing/2014/main" id="{B1EAE208-6730-3947-AABD-2B69AE6C5B02}"/>
+              </a:ext>
+            </a:extLst>
+          </p:cNvPr>
+          <p:cNvCxnSpPr/>
+          <p:nvPr/>
+        </p:nvCxnSpPr>
+        <p:spPr>
+          <a:xfrm flipV="1">
+            <a:off x="1710427" y="2485822"/>
+            <a:ext cx="1066800" cy="626821"/>
+          </a:xfrm>
+          <a:prstGeom prst="line">
+            <a:avLst/>
+          </a:prstGeom>
+          <a:ln w="38100">
+            <a:solidFill>
+              <a:srgbClr val="00B050"/>
+            </a:solidFill>
+            <a:prstDash val="sysDot"/>
+          </a:ln>
+        </p:spPr>
+        <p:style>
+          <a:lnRef idx="1">
+            <a:schemeClr val="accent1"/>
+          </a:lnRef>
+          <a:fillRef idx="0">
+            <a:schemeClr val="accent1"/>
+          </a:fillRef>
+          <a:effectRef idx="0">
+            <a:schemeClr val="accent1"/>
+          </a:effectRef>
+          <a:fontRef idx="minor">
+            <a:schemeClr val="tx1"/>
+          </a:fontRef>
+        </p:style>
+      </p:cxnSp>
+      <p:cxnSp>
+        <p:nvCxnSpPr>
+          <p:cNvPr id="33" name="Straight Connector 32">
+            <a:extLst>
+              <a:ext uri="{FF2B5EF4-FFF2-40B4-BE49-F238E27FC236}">
+                <a16:creationId xmlns:a16="http://schemas.microsoft.com/office/drawing/2014/main" id="{EDC1BFD0-F4ED-C249-BFC8-DBA155E10658}"/>
+              </a:ext>
+            </a:extLst>
+          </p:cNvPr>
+          <p:cNvCxnSpPr/>
+          <p:nvPr/>
+        </p:nvCxnSpPr>
+        <p:spPr>
+          <a:xfrm flipV="1">
+            <a:off x="4098792" y="4656812"/>
+            <a:ext cx="1066800" cy="626821"/>
+          </a:xfrm>
+          <a:prstGeom prst="line">
+            <a:avLst/>
+          </a:prstGeom>
+          <a:ln w="38100">
+            <a:solidFill>
+              <a:srgbClr val="00B050"/>
+            </a:solidFill>
+            <a:prstDash val="sysDot"/>
+          </a:ln>
+        </p:spPr>
+        <p:style>
+          <a:lnRef idx="1">
+            <a:schemeClr val="accent1"/>
+          </a:lnRef>
+          <a:fillRef idx="0">
+            <a:schemeClr val="accent1"/>
+          </a:fillRef>
+          <a:effectRef idx="0">
+            <a:schemeClr val="accent1"/>
+          </a:effectRef>
+          <a:fontRef idx="minor">
+            <a:schemeClr val="tx1"/>
+          </a:fontRef>
+        </p:style>
+      </p:cxnSp>
+      <p:sp>
+        <p:nvSpPr>
+          <p:cNvPr id="34" name="Content Placeholder 2">
+            <a:extLst>
+              <a:ext uri="{FF2B5EF4-FFF2-40B4-BE49-F238E27FC236}">
+                <a16:creationId xmlns:a16="http://schemas.microsoft.com/office/drawing/2014/main" id="{EAF14663-EE24-6340-A1DE-AA385BC198BF}"/>
+              </a:ext>
+            </a:extLst>
+          </p:cNvPr>
+          <p:cNvSpPr txBox="1">
+            <a:spLocks/>
+          </p:cNvSpPr>
+          <p:nvPr/>
+        </p:nvSpPr>
+        <p:spPr>
+          <a:xfrm rot="19727219">
+            <a:off x="1386606" y="2254411"/>
+            <a:ext cx="1590834" cy="792162"/>
+          </a:xfrm>
+          <a:prstGeom prst="rect">
+            <a:avLst/>
+          </a:prstGeom>
+        </p:spPr>
+        <p:txBody>
+          <a:bodyPr vert="horz" lIns="91440" tIns="45720" rIns="91440" bIns="45720" rtlCol="0">
+            <a:normAutofit/>
+          </a:bodyPr>
+          <a:lstStyle>
+            <a:lvl1pPr marL="342900" indent="-342900" algn="l" defTabSz="914400" rtl="0" eaLnBrk="1" latinLnBrk="0" hangingPunct="1">
+              <a:spcBef>
+                <a:spcPct val="20000"/>
+              </a:spcBef>
+              <a:buFont typeface="Arial" pitchFamily="34" charset="0"/>
+              <a:buNone/>
+              <a:defRPr sz="2800" b="0" i="0" kern="1200">
+                <a:solidFill>
+                  <a:schemeClr val="tx1">
+                    <a:lumMod val="85000"/>
+                    <a:lumOff val="15000"/>
+                  </a:schemeClr>
+                </a:solidFill>
+                <a:latin typeface="Source Sans Pro Light" charset="0"/>
+                <a:ea typeface="Source Sans Pro Light" charset="0"/>
+                <a:cs typeface="Source Sans Pro Light" charset="0"/>
+              </a:defRPr>
+            </a:lvl1pPr>
+            <a:lvl2pPr marL="742950" indent="-285750" algn="l" defTabSz="914400" rtl="0" eaLnBrk="1" latinLnBrk="0" hangingPunct="1">
+              <a:spcBef>
+                <a:spcPct val="20000"/>
+              </a:spcBef>
+              <a:buFont typeface="Arial" panose="020B0604020202020204" pitchFamily="34" charset="0"/>
+              <a:buChar char="•"/>
+              <a:defRPr sz="2400" b="0" i="0" kern="1200">
+                <a:solidFill>
+                  <a:schemeClr val="tx1">
+                    <a:lumMod val="85000"/>
+                    <a:lumOff val="15000"/>
+                  </a:schemeClr>
+                </a:solidFill>
+                <a:latin typeface="Source Sans Pro Light" charset="0"/>
+                <a:ea typeface="Source Sans Pro Light" charset="0"/>
+                <a:cs typeface="Source Sans Pro Light" charset="0"/>
+              </a:defRPr>
+            </a:lvl2pPr>
+            <a:lvl3pPr marL="1143000" indent="-228600" algn="l" defTabSz="914400" rtl="0" eaLnBrk="1" latinLnBrk="0" hangingPunct="1">
+              <a:spcBef>
+                <a:spcPct val="20000"/>
+              </a:spcBef>
+              <a:buFont typeface="Arial" pitchFamily="34" charset="0"/>
+              <a:buChar char="•"/>
+              <a:defRPr sz="2000" b="0" i="0" kern="1200">
+                <a:solidFill>
+                  <a:schemeClr val="tx1">
+                    <a:lumMod val="85000"/>
+                    <a:lumOff val="15000"/>
+                  </a:schemeClr>
+                </a:solidFill>
+                <a:latin typeface="Source Sans Pro Light" charset="0"/>
+                <a:ea typeface="Source Sans Pro Light" charset="0"/>
+                <a:cs typeface="Source Sans Pro Light" charset="0"/>
+              </a:defRPr>
+            </a:lvl3pPr>
+            <a:lvl4pPr marL="1600200" indent="-228600" algn="l" defTabSz="914400" rtl="0" eaLnBrk="1" latinLnBrk="0" hangingPunct="1">
+              <a:spcBef>
+                <a:spcPct val="20000"/>
+              </a:spcBef>
+              <a:buFont typeface="Arial" pitchFamily="34" charset="0"/>
+              <a:buChar char="–"/>
+              <a:defRPr sz="2000" b="0" i="0" kern="1200">
+                <a:solidFill>
+                  <a:schemeClr val="tx1">
+                    <a:lumMod val="85000"/>
+                    <a:lumOff val="15000"/>
+                  </a:schemeClr>
+                </a:solidFill>
+                <a:latin typeface="Source Sans Pro Light" charset="0"/>
+                <a:ea typeface="Source Sans Pro Light" charset="0"/>
+                <a:cs typeface="Source Sans Pro Light" charset="0"/>
+              </a:defRPr>
+            </a:lvl4pPr>
+            <a:lvl5pPr marL="2057400" indent="-228600" algn="l" defTabSz="914400" rtl="0" eaLnBrk="1" latinLnBrk="0" hangingPunct="1">
+              <a:spcBef>
+                <a:spcPct val="20000"/>
+              </a:spcBef>
+              <a:buFont typeface="Arial" pitchFamily="34" charset="0"/>
+              <a:buChar char="»"/>
+              <a:defRPr sz="2000" b="0" i="0" kern="1200">
+                <a:solidFill>
+                  <a:schemeClr val="tx1">
+                    <a:lumMod val="85000"/>
+                    <a:lumOff val="15000"/>
+                  </a:schemeClr>
+                </a:solidFill>
+                <a:latin typeface="Source Sans Pro Light" charset="0"/>
+                <a:ea typeface="Source Sans Pro Light" charset="0"/>
+                <a:cs typeface="Source Sans Pro Light" charset="0"/>
+              </a:defRPr>
+            </a:lvl5pPr>
+            <a:lvl6pPr marL="2514600" indent="-228600" algn="l" defTabSz="914400" rtl="0" eaLnBrk="1" latinLnBrk="0" hangingPunct="1">
+              <a:spcBef>
+                <a:spcPct val="20000"/>
+              </a:spcBef>
+              <a:buFont typeface="Arial" pitchFamily="34" charset="0"/>
+              <a:buChar char="•"/>
+              <a:defRPr sz="2000" kern="1200">
+                <a:solidFill>
+                  <a:schemeClr val="tx1"/>
+                </a:solidFill>
+                <a:latin typeface="+mn-lt"/>
+                <a:ea typeface="+mn-ea"/>
+                <a:cs typeface="+mn-cs"/>
+              </a:defRPr>
+            </a:lvl6pPr>
+            <a:lvl7pPr marL="2971800" indent="-228600" algn="l" defTabSz="914400" rtl="0" eaLnBrk="1" latinLnBrk="0" hangingPunct="1">
+              <a:spcBef>
+                <a:spcPct val="20000"/>
+              </a:spcBef>
+              <a:buFont typeface="Arial" pitchFamily="34" charset="0"/>
+              <a:buChar char="•"/>
+              <a:defRPr sz="2000" kern="1200">
+                <a:solidFill>
+                  <a:schemeClr val="tx1"/>
+                </a:solidFill>
+                <a:latin typeface="+mn-lt"/>
+                <a:ea typeface="+mn-ea"/>
+                <a:cs typeface="+mn-cs"/>
+              </a:defRPr>
+            </a:lvl7pPr>
+            <a:lvl8pPr marL="3429000" indent="-228600" algn="l" defTabSz="914400" rtl="0" eaLnBrk="1" latinLnBrk="0" hangingPunct="1">
+              <a:spcBef>
+                <a:spcPct val="20000"/>
+              </a:spcBef>
+              <a:buFont typeface="Arial" pitchFamily="34" charset="0"/>
+              <a:buChar char="•"/>
+              <a:defRPr sz="2000" kern="1200">
+                <a:solidFill>
+                  <a:schemeClr val="tx1"/>
+                </a:solidFill>
+                <a:latin typeface="+mn-lt"/>
+                <a:ea typeface="+mn-ea"/>
+                <a:cs typeface="+mn-cs"/>
+              </a:defRPr>
+            </a:lvl8pPr>
+            <a:lvl9pPr marL="3886200" indent="-228600" algn="l" defTabSz="914400" rtl="0" eaLnBrk="1" latinLnBrk="0" hangingPunct="1">
+              <a:spcBef>
+                <a:spcPct val="20000"/>
+              </a:spcBef>
+              <a:buFont typeface="Arial" pitchFamily="34" charset="0"/>
+              <a:buChar char="•"/>
+              <a:defRPr sz="2000" kern="1200">
+                <a:solidFill>
+                  <a:schemeClr val="tx1"/>
+                </a:solidFill>
+                <a:latin typeface="+mn-lt"/>
+                <a:ea typeface="+mn-ea"/>
+                <a:cs typeface="+mn-cs"/>
+              </a:defRPr>
+            </a:lvl9pPr>
+          </a:lstStyle>
+          <a:p>
+            <a:pPr marL="0" indent="0"/>
+            <a:r>
+              <a:rPr lang="en-US" sz="1400" dirty="0">
+                <a:solidFill>
+                  <a:srgbClr val="00B050"/>
+                </a:solidFill>
+                <a:latin typeface="Calibri" panose="020F0502020204030204" pitchFamily="34" charset="0"/>
+                <a:cs typeface="Calibri" panose="020F0502020204030204" pitchFamily="34" charset="0"/>
+              </a:rPr>
+              <a:t>Environmental flow requirements</a:t>
+            </a:r>
+          </a:p>
+        </p:txBody>
+      </p:sp>
+      <p:sp>
+        <p:nvSpPr>
+          <p:cNvPr id="35" name="Content Placeholder 2">
+            <a:extLst>
+              <a:ext uri="{FF2B5EF4-FFF2-40B4-BE49-F238E27FC236}">
+                <a16:creationId xmlns:a16="http://schemas.microsoft.com/office/drawing/2014/main" id="{A78CBC76-D4C2-3249-9F99-AFA2282BB0F9}"/>
+              </a:ext>
+            </a:extLst>
+          </p:cNvPr>
+          <p:cNvSpPr txBox="1">
+            <a:spLocks/>
+          </p:cNvSpPr>
+          <p:nvPr/>
+        </p:nvSpPr>
+        <p:spPr>
+          <a:xfrm rot="19727219">
+            <a:off x="4167019" y="4821384"/>
+            <a:ext cx="1590834" cy="792162"/>
+          </a:xfrm>
+          <a:prstGeom prst="rect">
+            <a:avLst/>
+          </a:prstGeom>
+        </p:spPr>
+        <p:txBody>
+          <a:bodyPr vert="horz" lIns="91440" tIns="45720" rIns="91440" bIns="45720" rtlCol="0">
+            <a:normAutofit/>
+          </a:bodyPr>
+          <a:lstStyle>
+            <a:lvl1pPr marL="342900" indent="-342900" algn="l" defTabSz="914400" rtl="0" eaLnBrk="1" latinLnBrk="0" hangingPunct="1">
+              <a:spcBef>
+                <a:spcPct val="20000"/>
+              </a:spcBef>
+              <a:buFont typeface="Arial" pitchFamily="34" charset="0"/>
+              <a:buNone/>
+              <a:defRPr sz="2800" b="0" i="0" kern="1200">
+                <a:solidFill>
+                  <a:schemeClr val="tx1">
+                    <a:lumMod val="85000"/>
+                    <a:lumOff val="15000"/>
+                  </a:schemeClr>
+                </a:solidFill>
+                <a:latin typeface="Source Sans Pro Light" charset="0"/>
+                <a:ea typeface="Source Sans Pro Light" charset="0"/>
+                <a:cs typeface="Source Sans Pro Light" charset="0"/>
+              </a:defRPr>
+            </a:lvl1pPr>
+            <a:lvl2pPr marL="742950" indent="-285750" algn="l" defTabSz="914400" rtl="0" eaLnBrk="1" latinLnBrk="0" hangingPunct="1">
+              <a:spcBef>
+                <a:spcPct val="20000"/>
+              </a:spcBef>
+              <a:buFont typeface="Arial" panose="020B0604020202020204" pitchFamily="34" charset="0"/>
+              <a:buChar char="•"/>
+              <a:defRPr sz="2400" b="0" i="0" kern="1200">
+                <a:solidFill>
+                  <a:schemeClr val="tx1">
+                    <a:lumMod val="85000"/>
+                    <a:lumOff val="15000"/>
+                  </a:schemeClr>
+                </a:solidFill>
+                <a:latin typeface="Source Sans Pro Light" charset="0"/>
+                <a:ea typeface="Source Sans Pro Light" charset="0"/>
+                <a:cs typeface="Source Sans Pro Light" charset="0"/>
+              </a:defRPr>
+            </a:lvl2pPr>
+            <a:lvl3pPr marL="1143000" indent="-228600" algn="l" defTabSz="914400" rtl="0" eaLnBrk="1" latinLnBrk="0" hangingPunct="1">
+              <a:spcBef>
+                <a:spcPct val="20000"/>
+              </a:spcBef>
+              <a:buFont typeface="Arial" pitchFamily="34" charset="0"/>
+              <a:buChar char="•"/>
+              <a:defRPr sz="2000" b="0" i="0" kern="1200">
+                <a:solidFill>
+                  <a:schemeClr val="tx1">
+                    <a:lumMod val="85000"/>
+                    <a:lumOff val="15000"/>
+                  </a:schemeClr>
+                </a:solidFill>
+                <a:latin typeface="Source Sans Pro Light" charset="0"/>
+                <a:ea typeface="Source Sans Pro Light" charset="0"/>
+                <a:cs typeface="Source Sans Pro Light" charset="0"/>
+              </a:defRPr>
+            </a:lvl3pPr>
+            <a:lvl4pPr marL="1600200" indent="-228600" algn="l" defTabSz="914400" rtl="0" eaLnBrk="1" latinLnBrk="0" hangingPunct="1">
+              <a:spcBef>
+                <a:spcPct val="20000"/>
+              </a:spcBef>
+              <a:buFont typeface="Arial" pitchFamily="34" charset="0"/>
+              <a:buChar char="–"/>
+              <a:defRPr sz="2000" b="0" i="0" kern="1200">
+                <a:solidFill>
+                  <a:schemeClr val="tx1">
+                    <a:lumMod val="85000"/>
+                    <a:lumOff val="15000"/>
+                  </a:schemeClr>
+                </a:solidFill>
+                <a:latin typeface="Source Sans Pro Light" charset="0"/>
+                <a:ea typeface="Source Sans Pro Light" charset="0"/>
+                <a:cs typeface="Source Sans Pro Light" charset="0"/>
+              </a:defRPr>
+            </a:lvl4pPr>
+            <a:lvl5pPr marL="2057400" indent="-228600" algn="l" defTabSz="914400" rtl="0" eaLnBrk="1" latinLnBrk="0" hangingPunct="1">
+              <a:spcBef>
+                <a:spcPct val="20000"/>
+              </a:spcBef>
+              <a:buFont typeface="Arial" pitchFamily="34" charset="0"/>
+              <a:buChar char="»"/>
+              <a:defRPr sz="2000" b="0" i="0" kern="1200">
+                <a:solidFill>
+                  <a:schemeClr val="tx1">
+                    <a:lumMod val="85000"/>
+                    <a:lumOff val="15000"/>
+                  </a:schemeClr>
+                </a:solidFill>
+                <a:latin typeface="Source Sans Pro Light" charset="0"/>
+                <a:ea typeface="Source Sans Pro Light" charset="0"/>
+                <a:cs typeface="Source Sans Pro Light" charset="0"/>
+              </a:defRPr>
+            </a:lvl5pPr>
+            <a:lvl6pPr marL="2514600" indent="-228600" algn="l" defTabSz="914400" rtl="0" eaLnBrk="1" latinLnBrk="0" hangingPunct="1">
+              <a:spcBef>
+                <a:spcPct val="20000"/>
+              </a:spcBef>
+              <a:buFont typeface="Arial" pitchFamily="34" charset="0"/>
+              <a:buChar char="•"/>
+              <a:defRPr sz="2000" kern="1200">
+                <a:solidFill>
+                  <a:schemeClr val="tx1"/>
+                </a:solidFill>
+                <a:latin typeface="+mn-lt"/>
+                <a:ea typeface="+mn-ea"/>
+                <a:cs typeface="+mn-cs"/>
+              </a:defRPr>
+            </a:lvl6pPr>
+            <a:lvl7pPr marL="2971800" indent="-228600" algn="l" defTabSz="914400" rtl="0" eaLnBrk="1" latinLnBrk="0" hangingPunct="1">
+              <a:spcBef>
+                <a:spcPct val="20000"/>
+              </a:spcBef>
+              <a:buFont typeface="Arial" pitchFamily="34" charset="0"/>
+              <a:buChar char="•"/>
+              <a:defRPr sz="2000" kern="1200">
+                <a:solidFill>
+                  <a:schemeClr val="tx1"/>
+                </a:solidFill>
+                <a:latin typeface="+mn-lt"/>
+                <a:ea typeface="+mn-ea"/>
+                <a:cs typeface="+mn-cs"/>
+              </a:defRPr>
+            </a:lvl7pPr>
+            <a:lvl8pPr marL="3429000" indent="-228600" algn="l" defTabSz="914400" rtl="0" eaLnBrk="1" latinLnBrk="0" hangingPunct="1">
+              <a:spcBef>
+                <a:spcPct val="20000"/>
+              </a:spcBef>
+              <a:buFont typeface="Arial" pitchFamily="34" charset="0"/>
+              <a:buChar char="•"/>
+              <a:defRPr sz="2000" kern="1200">
+                <a:solidFill>
+                  <a:schemeClr val="tx1"/>
+                </a:solidFill>
+                <a:latin typeface="+mn-lt"/>
+                <a:ea typeface="+mn-ea"/>
+                <a:cs typeface="+mn-cs"/>
+              </a:defRPr>
+            </a:lvl8pPr>
+            <a:lvl9pPr marL="3886200" indent="-228600" algn="l" defTabSz="914400" rtl="0" eaLnBrk="1" latinLnBrk="0" hangingPunct="1">
+              <a:spcBef>
+                <a:spcPct val="20000"/>
+              </a:spcBef>
+              <a:buFont typeface="Arial" pitchFamily="34" charset="0"/>
+              <a:buChar char="•"/>
+              <a:defRPr sz="2000" kern="1200">
+                <a:solidFill>
+                  <a:schemeClr val="tx1"/>
+                </a:solidFill>
+                <a:latin typeface="+mn-lt"/>
+                <a:ea typeface="+mn-ea"/>
+                <a:cs typeface="+mn-cs"/>
+              </a:defRPr>
+            </a:lvl9pPr>
+          </a:lstStyle>
+          <a:p>
+            <a:pPr marL="0" indent="0"/>
+            <a:r>
+              <a:rPr lang="en-US" sz="1400" dirty="0">
+                <a:solidFill>
+                  <a:srgbClr val="00B050"/>
+                </a:solidFill>
+                <a:latin typeface="Calibri" panose="020F0502020204030204" pitchFamily="34" charset="0"/>
+                <a:cs typeface="Calibri" panose="020F0502020204030204" pitchFamily="34" charset="0"/>
+              </a:rPr>
+              <a:t>Environmental flow requirements</a:t>
+            </a:r>
+          </a:p>
+        </p:txBody>
+      </p:sp>
     </p:spTree>
     <p:extLst>
       <p:ext uri="{BB962C8B-B14F-4D97-AF65-F5344CB8AC3E}">
-        <p14:creationId xmlns:p14="http://schemas.microsoft.com/office/powerpoint/2010/main" val="581711841"/>
+        <p14:creationId xmlns:p14="http://schemas.microsoft.com/office/powerpoint/2010/main" val="158831151"/>
       </p:ext>
     </p:extLst>
   </p:cSld>
   <p:clrMapOvr>
     <a:masterClrMapping/>
   </p:clrMapOvr>
-  <p:timing>
-    <p:tnLst>
-      <p:par>
-        <p:cTn id="1" dur="indefinite" restart="never" nodeType="tmRoot"/>
-      </p:par>
-    </p:tnLst>
-  </p:timing>
 </p:sld>
 </file>
 
@@ -2572,10 +4210,80 @@
           <a:lstStyle/>
           <a:p>
             <a:r>
-              <a:rPr lang="en-US" dirty="0" smtClean="0"/>
-              <a:t>Year-round instream flow requirements</a:t>
-            </a:r>
-            <a:endParaRPr lang="en-US" dirty="0"/>
+              <a:rPr lang="en-US" dirty="0"/>
+              <a:t>Daily flow data from USGS</a:t>
+            </a:r>
+          </a:p>
+        </p:txBody>
+      </p:sp>
+      <p:sp>
+        <p:nvSpPr>
+          <p:cNvPr id="3" name="Content Placeholder 2"/>
+          <p:cNvSpPr>
+            <a:spLocks noGrp="1"/>
+          </p:cNvSpPr>
+          <p:nvPr>
+            <p:ph idx="1"/>
+          </p:nvPr>
+        </p:nvSpPr>
+        <p:spPr>
+          <a:xfrm>
+            <a:off x="469187" y="1066800"/>
+            <a:ext cx="8229600" cy="2915818"/>
+          </a:xfrm>
+        </p:spPr>
+        <p:txBody>
+          <a:bodyPr>
+            <a:normAutofit/>
+          </a:bodyPr>
+          <a:lstStyle/>
+          <a:p>
+            <a:pPr marL="457200" indent="-457200">
+              <a:buFont typeface="Arial" charset="0"/>
+              <a:buChar char="•"/>
+            </a:pPr>
+            <a:r>
+              <a:rPr lang="en-US" dirty="0"/>
+              <a:t>Only French Meadows inflow is changed by the hydrologic modeling</a:t>
+            </a:r>
+          </a:p>
+          <a:p>
+            <a:pPr marL="457200" indent="-457200">
+              <a:buFont typeface="Arial" charset="0"/>
+              <a:buChar char="•"/>
+            </a:pPr>
+            <a:r>
+              <a:rPr lang="en-US" dirty="0"/>
+              <a:t>Model period 10/1/1980 – 9/30/2015</a:t>
+            </a:r>
+          </a:p>
+          <a:p>
+            <a:pPr marL="457200" indent="-457200">
+              <a:buFont typeface="Arial" charset="0"/>
+              <a:buChar char="•"/>
+            </a:pPr>
+            <a:r>
+              <a:rPr lang="en-US" dirty="0"/>
+              <a:t>Model assumes </a:t>
+            </a:r>
+            <a:r>
+              <a:rPr lang="en-US" dirty="0" err="1"/>
+              <a:t>env</a:t>
+            </a:r>
+            <a:r>
+              <a:rPr lang="en-US" dirty="0"/>
+              <a:t>. flows met first</a:t>
+            </a:r>
+          </a:p>
+          <a:p>
+            <a:pPr marL="457200" indent="-457200">
+              <a:buFont typeface="Arial" charset="0"/>
+              <a:buChar char="•"/>
+            </a:pPr>
+            <a:r>
+              <a:rPr lang="en-US" dirty="0"/>
+              <a:t>Then, hydropower production is calculated using a linear storage-elevation curve</a:t>
+            </a:r>
           </a:p>
         </p:txBody>
       </p:sp>
@@ -2606,7 +4314,9 @@
       <p:pic>
         <p:nvPicPr>
           <p:cNvPr id="6" name="Picture 5"/>
-          <p:cNvPicPr/>
+          <p:cNvPicPr>
+            <a:picLocks noChangeAspect="1"/>
+          </p:cNvPicPr>
           <p:nvPr/>
         </p:nvPicPr>
         <p:blipFill>
@@ -2617,52 +4327,8 @@
         </p:blipFill>
         <p:spPr>
           <a:xfrm>
-            <a:off x="228600" y="1295400"/>
-            <a:ext cx="4103244" cy="2590800"/>
-          </a:xfrm>
-          <a:prstGeom prst="rect">
-            <a:avLst/>
-          </a:prstGeom>
-        </p:spPr>
-      </p:pic>
-      <p:pic>
-        <p:nvPicPr>
-          <p:cNvPr id="7" name="Picture 6"/>
-          <p:cNvPicPr/>
-          <p:nvPr/>
-        </p:nvPicPr>
-        <p:blipFill>
-          <a:blip r:embed="rId3"/>
-          <a:stretch>
-            <a:fillRect/>
-          </a:stretch>
-        </p:blipFill>
-        <p:spPr>
-          <a:xfrm>
-            <a:off x="4712844" y="1295400"/>
-            <a:ext cx="3924300" cy="2586324"/>
-          </a:xfrm>
-          <a:prstGeom prst="rect">
-            <a:avLst/>
-          </a:prstGeom>
-        </p:spPr>
-      </p:pic>
-      <p:pic>
-        <p:nvPicPr>
-          <p:cNvPr id="8" name="Picture 7"/>
-          <p:cNvPicPr/>
-          <p:nvPr/>
-        </p:nvPicPr>
-        <p:blipFill>
-          <a:blip r:embed="rId4"/>
-          <a:stretch>
-            <a:fillRect/>
-          </a:stretch>
-        </p:blipFill>
-        <p:spPr>
-          <a:xfrm>
-            <a:off x="914400" y="4014778"/>
-            <a:ext cx="7029410" cy="1562692"/>
+            <a:off x="-2569" y="4022768"/>
+            <a:ext cx="9144000" cy="2814684"/>
           </a:xfrm>
           <a:prstGeom prst="rect">
             <a:avLst/>
@@ -2672,7 +4338,7 @@
     </p:spTree>
     <p:extLst>
       <p:ext uri="{BB962C8B-B14F-4D97-AF65-F5344CB8AC3E}">
-        <p14:creationId xmlns:p14="http://schemas.microsoft.com/office/powerpoint/2010/main" val="183774855"/>
+        <p14:creationId xmlns:p14="http://schemas.microsoft.com/office/powerpoint/2010/main" val="581711841"/>
       </p:ext>
     </p:extLst>
   </p:cSld>
@@ -2715,111 +4381,8 @@
           <a:lstStyle/>
           <a:p>
             <a:r>
-              <a:rPr lang="en-US" dirty="0" smtClean="0"/>
-              <a:t>Pulse flow requirements</a:t>
-            </a:r>
-            <a:endParaRPr lang="en-US" dirty="0"/>
-          </a:p>
-        </p:txBody>
-      </p:sp>
-      <p:sp>
-        <p:nvSpPr>
-          <p:cNvPr id="3" name="Content Placeholder 2"/>
-          <p:cNvSpPr>
-            <a:spLocks noGrp="1"/>
-          </p:cNvSpPr>
-          <p:nvPr>
-            <p:ph idx="1"/>
-          </p:nvPr>
-        </p:nvSpPr>
-        <p:spPr>
-          <a:xfrm>
-            <a:off x="457200" y="1143000"/>
-            <a:ext cx="8229600" cy="3657600"/>
-          </a:xfrm>
-        </p:spPr>
-        <p:txBody>
-          <a:bodyPr/>
-          <a:lstStyle/>
-          <a:p>
-            <a:r>
-              <a:rPr lang="en-US" dirty="0" smtClean="0"/>
-              <a:t>Second, add pulse flows. 4 scenarios:</a:t>
-            </a:r>
-          </a:p>
-          <a:p>
-            <a:pPr marL="457200" indent="-457200">
-              <a:buFont typeface="Arial" charset="0"/>
-              <a:buChar char="•"/>
-            </a:pPr>
-            <a:r>
-              <a:rPr lang="en-US" sz="2000" dirty="0" smtClean="0"/>
-              <a:t>No pulse (only instream flows)</a:t>
-            </a:r>
-          </a:p>
-          <a:p>
-            <a:pPr marL="457200" indent="-457200">
-              <a:buFont typeface="Arial" charset="0"/>
-              <a:buChar char="•"/>
-            </a:pPr>
-            <a:r>
-              <a:rPr lang="en-US" sz="2000" dirty="0" smtClean="0"/>
-              <a:t>FERC proposed (“FERC”)</a:t>
-            </a:r>
-          </a:p>
-          <a:p>
-            <a:pPr marL="457200" indent="-457200">
-              <a:buFont typeface="Arial" charset="0"/>
-              <a:buChar char="•"/>
-            </a:pPr>
-            <a:r>
-              <a:rPr lang="en-US" sz="2000" dirty="0" smtClean="0"/>
-              <a:t>+1 day/step, +10% </a:t>
-            </a:r>
-            <a:r>
-              <a:rPr lang="en-US" sz="2000" dirty="0" err="1" smtClean="0"/>
-              <a:t>cfs</a:t>
-            </a:r>
-            <a:r>
-              <a:rPr lang="en-US" sz="2000" dirty="0" smtClean="0"/>
-              <a:t>/day (“increase”)</a:t>
-            </a:r>
-          </a:p>
-          <a:p>
-            <a:pPr marL="457200" indent="-457200">
-              <a:buFont typeface="Arial" charset="0"/>
-              <a:buChar char="•"/>
-            </a:pPr>
-            <a:r>
-              <a:rPr lang="en-US" sz="2000" dirty="0" smtClean="0"/>
-              <a:t>Same, plus a &lt;20% restriction on </a:t>
-            </a:r>
-            <a:r>
-              <a:rPr lang="en-US" sz="2000" dirty="0" err="1" smtClean="0"/>
-              <a:t>rampdown</a:t>
-            </a:r>
-            <a:r>
-              <a:rPr lang="en-US" sz="2000" dirty="0" smtClean="0"/>
-              <a:t> (“</a:t>
-            </a:r>
-            <a:r>
-              <a:rPr lang="en-US" sz="2000" dirty="0" err="1" smtClean="0"/>
-              <a:t>increase_rampdown</a:t>
-            </a:r>
-            <a:r>
-              <a:rPr lang="en-US" sz="2000" dirty="0" smtClean="0"/>
-              <a:t>”)</a:t>
-            </a:r>
-            <a:endParaRPr lang="en-US" dirty="0"/>
-          </a:p>
-          <a:p>
-            <a:pPr marL="457200" indent="-457200">
-              <a:buFont typeface="Arial" charset="0"/>
-              <a:buChar char="•"/>
-            </a:pPr>
-            <a:r>
-              <a:rPr lang="en-US" sz="2000" dirty="0" smtClean="0"/>
-              <a:t>Only apply to W/AN year types</a:t>
+              <a:rPr lang="en-US" dirty="0"/>
+              <a:t>Year-round instream flow requirements</a:t>
             </a:r>
           </a:p>
         </p:txBody>
@@ -2855,46 +4418,75 @@
           <p:nvPr/>
         </p:nvPicPr>
         <p:blipFill>
-          <a:blip r:embed="rId2" cstate="print">
-            <a:extLst>
-              <a:ext uri="{28A0092B-C50C-407E-A947-70E740481C1C}">
-                <a14:useLocalDpi xmlns:a14="http://schemas.microsoft.com/office/drawing/2010/main" val="0"/>
-              </a:ext>
-            </a:extLst>
-          </a:blip>
-          <a:srcRect/>
+          <a:blip r:embed="rId2"/>
           <a:stretch>
             <a:fillRect/>
           </a:stretch>
         </p:blipFill>
-        <p:spPr bwMode="auto">
+        <p:spPr>
           <a:xfrm>
-            <a:off x="2312326" y="3574026"/>
-            <a:ext cx="4519347" cy="3283974"/>
+            <a:off x="228600" y="1295400"/>
+            <a:ext cx="4103244" cy="2590800"/>
           </a:xfrm>
           <a:prstGeom prst="rect">
             <a:avLst/>
           </a:prstGeom>
-          <a:noFill/>
+        </p:spPr>
+      </p:pic>
+      <p:pic>
+        <p:nvPicPr>
+          <p:cNvPr id="7" name="Picture 6"/>
+          <p:cNvPicPr/>
+          <p:nvPr/>
+        </p:nvPicPr>
+        <p:blipFill>
+          <a:blip r:embed="rId3"/>
+          <a:stretch>
+            <a:fillRect/>
+          </a:stretch>
+        </p:blipFill>
+        <p:spPr>
+          <a:xfrm>
+            <a:off x="4712844" y="1295400"/>
+            <a:ext cx="3924300" cy="2586324"/>
+          </a:xfrm>
+          <a:prstGeom prst="rect">
+            <a:avLst/>
+          </a:prstGeom>
+        </p:spPr>
+      </p:pic>
+      <p:pic>
+        <p:nvPicPr>
+          <p:cNvPr id="8" name="Picture 7"/>
+          <p:cNvPicPr/>
+          <p:nvPr/>
+        </p:nvPicPr>
+        <p:blipFill>
+          <a:blip r:embed="rId4"/>
+          <a:stretch>
+            <a:fillRect/>
+          </a:stretch>
+        </p:blipFill>
+        <p:spPr>
+          <a:xfrm>
+            <a:off x="914400" y="4014778"/>
+            <a:ext cx="7029410" cy="1562692"/>
+          </a:xfrm>
+          <a:prstGeom prst="rect">
+            <a:avLst/>
+          </a:prstGeom>
         </p:spPr>
       </p:pic>
     </p:spTree>
     <p:extLst>
       <p:ext uri="{BB962C8B-B14F-4D97-AF65-F5344CB8AC3E}">
-        <p14:creationId xmlns:p14="http://schemas.microsoft.com/office/powerpoint/2010/main" val="141541302"/>
+        <p14:creationId xmlns:p14="http://schemas.microsoft.com/office/powerpoint/2010/main" val="183774855"/>
       </p:ext>
     </p:extLst>
   </p:cSld>
   <p:clrMapOvr>
     <a:masterClrMapping/>
   </p:clrMapOvr>
-  <p:timing>
-    <p:tnLst>
-      <p:par>
-        <p:cTn id="1" dur="indefinite" restart="never" nodeType="tmRoot"/>
-      </p:par>
-    </p:tnLst>
-  </p:timing>
 </p:sld>
 </file>
 
@@ -2931,10 +4523,9 @@
           <a:lstStyle/>
           <a:p>
             <a:r>
-              <a:rPr lang="en-US" dirty="0" smtClean="0"/>
-              <a:t>Fitting the historical release policy</a:t>
-            </a:r>
-            <a:endParaRPr lang="en-US" dirty="0"/>
+              <a:rPr lang="en-US" dirty="0"/>
+              <a:t>Pulse flow requirements</a:t>
+            </a:r>
           </a:p>
         </p:txBody>
       </p:sp>
@@ -2950,35 +4541,93 @@
         </p:nvSpPr>
         <p:spPr>
           <a:xfrm>
-            <a:off x="485335" y="990599"/>
-            <a:ext cx="8229600" cy="5450351"/>
+            <a:off x="457200" y="1143000"/>
+            <a:ext cx="8229600" cy="3657600"/>
           </a:xfrm>
         </p:spPr>
         <p:txBody>
-          <a:bodyPr>
-            <a:normAutofit/>
-          </a:bodyPr>
+          <a:bodyPr/>
           <a:lstStyle/>
           <a:p>
-            <a:pPr>
+            <a:r>
+              <a:rPr lang="en-US" dirty="0"/>
+              <a:t>Second, add pulse flows. 4 scenarios:</a:t>
+            </a:r>
+          </a:p>
+          <a:p>
+            <a:pPr marL="457200" indent="-457200">
               <a:buFont typeface="Arial" charset="0"/>
               <a:buChar char="•"/>
             </a:pPr>
             <a:r>
-              <a:rPr lang="en-US" sz="2400" dirty="0" smtClean="0"/>
-              <a:t>To run other scenarios, we first have to represent the hydropower release policy</a:t>
-            </a:r>
-          </a:p>
-          <a:p>
-            <a:pPr>
+              <a:rPr lang="en-US" sz="2000" dirty="0"/>
+              <a:t>No pulse (only instream flows)</a:t>
+            </a:r>
+          </a:p>
+          <a:p>
+            <a:pPr marL="457200" indent="-457200">
               <a:buFont typeface="Arial" charset="0"/>
               <a:buChar char="•"/>
             </a:pPr>
             <a:r>
-              <a:rPr lang="en-US" sz="2400" dirty="0" smtClean="0"/>
-              <a:t>Approximated from observed historical data, assuming a set of “if-then” rules based on storage and day of the year</a:t>
-            </a:r>
-            <a:endParaRPr lang="en-US" sz="2400" dirty="0"/>
+              <a:rPr lang="en-US" sz="2000" dirty="0"/>
+              <a:t>FERC proposed (“FERC”)</a:t>
+            </a:r>
+          </a:p>
+          <a:p>
+            <a:pPr marL="457200" indent="-457200">
+              <a:buFont typeface="Arial" charset="0"/>
+              <a:buChar char="•"/>
+            </a:pPr>
+            <a:r>
+              <a:rPr lang="en-US" sz="2000" dirty="0"/>
+              <a:t>+1 day/step, +10% </a:t>
+            </a:r>
+            <a:r>
+              <a:rPr lang="en-US" sz="2000" dirty="0" err="1"/>
+              <a:t>cfs</a:t>
+            </a:r>
+            <a:r>
+              <a:rPr lang="en-US" sz="2000" dirty="0"/>
+              <a:t>/day (“increase”)</a:t>
+            </a:r>
+          </a:p>
+          <a:p>
+            <a:pPr marL="457200" indent="-457200">
+              <a:buFont typeface="Arial" charset="0"/>
+              <a:buChar char="•"/>
+            </a:pPr>
+            <a:r>
+              <a:rPr lang="en-US" sz="2000" dirty="0"/>
+              <a:t>Same, plus a &lt;20% restriction on </a:t>
+            </a:r>
+            <a:r>
+              <a:rPr lang="en-US" sz="2000" dirty="0" err="1"/>
+              <a:t>rampdown</a:t>
+            </a:r>
+            <a:r>
+              <a:rPr lang="en-US" sz="2000" dirty="0"/>
+              <a:t> (“</a:t>
+            </a:r>
+            <a:r>
+              <a:rPr lang="en-US" sz="2000" dirty="0" err="1"/>
+              <a:t>increase_rampdown</a:t>
+            </a:r>
+            <a:r>
+              <a:rPr lang="en-US" sz="2000" dirty="0"/>
+              <a:t>”)</a:t>
+            </a:r>
+            <a:endParaRPr lang="en-US" dirty="0"/>
+          </a:p>
+          <a:p>
+            <a:pPr marL="457200" indent="-457200">
+              <a:buFont typeface="Arial" charset="0"/>
+              <a:buChar char="•"/>
+            </a:pPr>
+            <a:r>
+              <a:rPr lang="en-US" sz="2000" dirty="0"/>
+              <a:t>Only apply to W/AN year types</a:t>
+            </a:r>
           </a:p>
         </p:txBody>
       </p:sp>
@@ -3008,93 +4657,44 @@
       </p:sp>
       <p:pic>
         <p:nvPicPr>
-          <p:cNvPr id="7" name="Picture 6"/>
-          <p:cNvPicPr>
-            <a:picLocks noChangeAspect="1"/>
-          </p:cNvPicPr>
+          <p:cNvPr id="6" name="Picture 5"/>
+          <p:cNvPicPr/>
           <p:nvPr/>
         </p:nvPicPr>
         <p:blipFill>
-          <a:blip r:embed="rId2"/>
+          <a:blip r:embed="rId2" cstate="print">
+            <a:extLst>
+              <a:ext uri="{28A0092B-C50C-407E-A947-70E740481C1C}">
+                <a14:useLocalDpi xmlns:a14="http://schemas.microsoft.com/office/drawing/2010/main" val="0"/>
+              </a:ext>
+            </a:extLst>
+          </a:blip>
+          <a:srcRect/>
           <a:stretch>
             <a:fillRect/>
           </a:stretch>
         </p:blipFill>
-        <p:spPr>
+        <p:spPr bwMode="auto">
           <a:xfrm>
-            <a:off x="1981200" y="4695059"/>
-            <a:ext cx="7162800" cy="1880401"/>
+            <a:off x="2312326" y="3574026"/>
+            <a:ext cx="4519347" cy="3283974"/>
           </a:xfrm>
           <a:prstGeom prst="rect">
             <a:avLst/>
           </a:prstGeom>
-        </p:spPr>
-      </p:pic>
-      <p:pic>
-        <p:nvPicPr>
-          <p:cNvPr id="8" name="Picture 7"/>
-          <p:cNvPicPr>
-            <a:picLocks noChangeAspect="1"/>
-          </p:cNvPicPr>
-          <p:nvPr/>
-        </p:nvPicPr>
-        <p:blipFill>
-          <a:blip r:embed="rId3"/>
-          <a:stretch>
-            <a:fillRect/>
-          </a:stretch>
-        </p:blipFill>
-        <p:spPr>
-          <a:xfrm>
-            <a:off x="56271" y="2666999"/>
-            <a:ext cx="2046910" cy="2514601"/>
-          </a:xfrm>
-          <a:prstGeom prst="rect">
-            <a:avLst/>
-          </a:prstGeom>
-        </p:spPr>
-      </p:pic>
-      <p:pic>
-        <p:nvPicPr>
-          <p:cNvPr id="6" name="Picture 5"/>
-          <p:cNvPicPr>
-            <a:picLocks noChangeAspect="1"/>
-          </p:cNvPicPr>
-          <p:nvPr/>
-        </p:nvPicPr>
-        <p:blipFill>
-          <a:blip r:embed="rId4"/>
-          <a:stretch>
-            <a:fillRect/>
-          </a:stretch>
-        </p:blipFill>
-        <p:spPr>
-          <a:xfrm>
-            <a:off x="1922589" y="2667000"/>
-            <a:ext cx="7221411" cy="1828799"/>
-          </a:xfrm>
-          <a:prstGeom prst="rect">
-            <a:avLst/>
-          </a:prstGeom>
+          <a:noFill/>
         </p:spPr>
       </p:pic>
     </p:spTree>
     <p:extLst>
       <p:ext uri="{BB962C8B-B14F-4D97-AF65-F5344CB8AC3E}">
-        <p14:creationId xmlns:p14="http://schemas.microsoft.com/office/powerpoint/2010/main" val="216893162"/>
+        <p14:creationId xmlns:p14="http://schemas.microsoft.com/office/powerpoint/2010/main" val="141541302"/>
       </p:ext>
     </p:extLst>
   </p:cSld>
   <p:clrMapOvr>
     <a:masterClrMapping/>
   </p:clrMapOvr>
-  <p:timing>
-    <p:tnLst>
-      <p:par>
-        <p:cTn id="1" dur="indefinite" restart="never" nodeType="tmRoot"/>
-      </p:par>
-    </p:tnLst>
-  </p:timing>
 </p:sld>
 </file>
 
@@ -3131,10 +4731,200 @@
           <a:lstStyle/>
           <a:p>
             <a:r>
-              <a:rPr lang="en-US" dirty="0" smtClean="0"/>
+              <a:rPr lang="en-US" dirty="0"/>
+              <a:t>Fitting the historical release policy</a:t>
+            </a:r>
+          </a:p>
+        </p:txBody>
+      </p:sp>
+      <p:sp>
+        <p:nvSpPr>
+          <p:cNvPr id="3" name="Content Placeholder 2"/>
+          <p:cNvSpPr>
+            <a:spLocks noGrp="1"/>
+          </p:cNvSpPr>
+          <p:nvPr>
+            <p:ph idx="1"/>
+          </p:nvPr>
+        </p:nvSpPr>
+        <p:spPr>
+          <a:xfrm>
+            <a:off x="485335" y="990599"/>
+            <a:ext cx="8229600" cy="5450351"/>
+          </a:xfrm>
+        </p:spPr>
+        <p:txBody>
+          <a:bodyPr>
+            <a:normAutofit/>
+          </a:bodyPr>
+          <a:lstStyle/>
+          <a:p>
+            <a:pPr>
+              <a:buFont typeface="Arial" charset="0"/>
+              <a:buChar char="•"/>
+            </a:pPr>
+            <a:r>
+              <a:rPr lang="en-US" sz="2400" dirty="0"/>
+              <a:t>To run other scenarios, we first have to represent the hydropower release policy</a:t>
+            </a:r>
+          </a:p>
+          <a:p>
+            <a:pPr>
+              <a:buFont typeface="Arial" charset="0"/>
+              <a:buChar char="•"/>
+            </a:pPr>
+            <a:r>
+              <a:rPr lang="en-US" sz="2400" dirty="0"/>
+              <a:t>Approximated from observed historical data, assuming a set of “if-then” rules based on storage and day of the year</a:t>
+            </a:r>
+          </a:p>
+        </p:txBody>
+      </p:sp>
+      <p:sp>
+        <p:nvSpPr>
+          <p:cNvPr id="5" name="Slide Number Placeholder 4"/>
+          <p:cNvSpPr>
+            <a:spLocks noGrp="1"/>
+          </p:cNvSpPr>
+          <p:nvPr>
+            <p:ph type="sldNum" sz="quarter" idx="4"/>
+          </p:nvPr>
+        </p:nvSpPr>
+        <p:spPr/>
+        <p:txBody>
+          <a:bodyPr/>
+          <a:lstStyle/>
+          <a:p>
+            <a:fld id="{B6F15528-21DE-4FAA-801E-634DDDAF4B2B}" type="slidenum">
+              <a:rPr lang="en-US" smtClean="0"/>
+              <a:pPr/>
+              <a:t>7</a:t>
+            </a:fld>
+            <a:endParaRPr lang="en-US" dirty="0"/>
+          </a:p>
+        </p:txBody>
+      </p:sp>
+      <p:pic>
+        <p:nvPicPr>
+          <p:cNvPr id="7" name="Picture 6"/>
+          <p:cNvPicPr>
+            <a:picLocks noChangeAspect="1"/>
+          </p:cNvPicPr>
+          <p:nvPr/>
+        </p:nvPicPr>
+        <p:blipFill>
+          <a:blip r:embed="rId2"/>
+          <a:stretch>
+            <a:fillRect/>
+          </a:stretch>
+        </p:blipFill>
+        <p:spPr>
+          <a:xfrm>
+            <a:off x="1981200" y="4695059"/>
+            <a:ext cx="7162800" cy="1880401"/>
+          </a:xfrm>
+          <a:prstGeom prst="rect">
+            <a:avLst/>
+          </a:prstGeom>
+        </p:spPr>
+      </p:pic>
+      <p:pic>
+        <p:nvPicPr>
+          <p:cNvPr id="8" name="Picture 7"/>
+          <p:cNvPicPr>
+            <a:picLocks noChangeAspect="1"/>
+          </p:cNvPicPr>
+          <p:nvPr/>
+        </p:nvPicPr>
+        <p:blipFill>
+          <a:blip r:embed="rId3"/>
+          <a:stretch>
+            <a:fillRect/>
+          </a:stretch>
+        </p:blipFill>
+        <p:spPr>
+          <a:xfrm>
+            <a:off x="56271" y="2666999"/>
+            <a:ext cx="2046910" cy="2514601"/>
+          </a:xfrm>
+          <a:prstGeom prst="rect">
+            <a:avLst/>
+          </a:prstGeom>
+        </p:spPr>
+      </p:pic>
+      <p:pic>
+        <p:nvPicPr>
+          <p:cNvPr id="6" name="Picture 5"/>
+          <p:cNvPicPr>
+            <a:picLocks noChangeAspect="1"/>
+          </p:cNvPicPr>
+          <p:nvPr/>
+        </p:nvPicPr>
+        <p:blipFill>
+          <a:blip r:embed="rId4"/>
+          <a:stretch>
+            <a:fillRect/>
+          </a:stretch>
+        </p:blipFill>
+        <p:spPr>
+          <a:xfrm>
+            <a:off x="1922589" y="2667000"/>
+            <a:ext cx="7221411" cy="1828799"/>
+          </a:xfrm>
+          <a:prstGeom prst="rect">
+            <a:avLst/>
+          </a:prstGeom>
+        </p:spPr>
+      </p:pic>
+    </p:spTree>
+    <p:extLst>
+      <p:ext uri="{BB962C8B-B14F-4D97-AF65-F5344CB8AC3E}">
+        <p14:creationId xmlns:p14="http://schemas.microsoft.com/office/powerpoint/2010/main" val="216893162"/>
+      </p:ext>
+    </p:extLst>
+  </p:cSld>
+  <p:clrMapOvr>
+    <a:masterClrMapping/>
+  </p:clrMapOvr>
+</p:sld>
+</file>
+
+<file path=ppt/slides/slide8.xml><?xml version="1.0" encoding="utf-8"?>
+<p:sld xmlns:a="http://schemas.openxmlformats.org/drawingml/2006/main" xmlns:r="http://schemas.openxmlformats.org/officeDocument/2006/relationships" xmlns:p="http://schemas.openxmlformats.org/presentationml/2006/main">
+  <p:cSld>
+    <p:spTree>
+      <p:nvGrpSpPr>
+        <p:cNvPr id="1" name=""/>
+        <p:cNvGrpSpPr/>
+        <p:nvPr/>
+      </p:nvGrpSpPr>
+      <p:grpSpPr>
+        <a:xfrm>
+          <a:off x="0" y="0"/>
+          <a:ext cx="0" cy="0"/>
+          <a:chOff x="0" y="0"/>
+          <a:chExt cx="0" cy="0"/>
+        </a:xfrm>
+      </p:grpSpPr>
+      <p:sp>
+        <p:nvSpPr>
+          <p:cNvPr id="2" name="Title 1"/>
+          <p:cNvSpPr>
+            <a:spLocks noGrp="1"/>
+          </p:cNvSpPr>
+          <p:nvPr>
+            <p:ph type="title"/>
+          </p:nvPr>
+        </p:nvSpPr>
+        <p:spPr/>
+        <p:txBody>
+          <a:bodyPr/>
+          <a:lstStyle/>
+          <a:p>
+            <a:r>
+              <a:rPr lang="en-US" dirty="0"/>
               <a:t>Two experiments:</a:t>
             </a:r>
-            <a:endParaRPr lang="en-US" dirty="0"/>
           </a:p>
         </p:txBody>
       </p:sp>
@@ -3163,7 +4953,7 @@
               <a:buChar char="•"/>
             </a:pPr>
             <a:r>
-              <a:rPr lang="en-US" dirty="0" smtClean="0"/>
+              <a:rPr lang="en-US" dirty="0"/>
               <a:t>How much hydropower is generated under different hydrologic scenarios, if the release policy stays the same?</a:t>
             </a:r>
           </a:p>
@@ -3180,10 +4970,9 @@
               <a:buChar char="•"/>
             </a:pPr>
             <a:r>
-              <a:rPr lang="en-US" dirty="0" smtClean="0"/>
+              <a:rPr lang="en-US" dirty="0"/>
               <a:t>What if the release policies are re-optimized to each hydrologic scenario?</a:t>
             </a:r>
-            <a:endParaRPr lang="en-US" dirty="0"/>
           </a:p>
         </p:txBody>
       </p:sp>
@@ -3205,7 +4994,7 @@
             <a:fld id="{B6F15528-21DE-4FAA-801E-634DDDAF4B2B}" type="slidenum">
               <a:rPr lang="en-US" smtClean="0"/>
               <a:pPr/>
-              <a:t>7</a:t>
+              <a:t>8</a:t>
             </a:fld>
             <a:endParaRPr lang="en-US" dirty="0"/>
           </a:p>
@@ -3221,17 +5010,10 @@
   <p:clrMapOvr>
     <a:masterClrMapping/>
   </p:clrMapOvr>
-  <p:timing>
-    <p:tnLst>
-      <p:par>
-        <p:cTn id="1" dur="indefinite" restart="never" nodeType="tmRoot"/>
-      </p:par>
-    </p:tnLst>
-  </p:timing>
 </p:sld>
 </file>
 
-<file path=ppt/slides/slide8.xml><?xml version="1.0" encoding="utf-8"?>
+<file path=ppt/slides/slide9.xml><?xml version="1.0" encoding="utf-8"?>
 <p:sld xmlns:a="http://schemas.openxmlformats.org/drawingml/2006/main" xmlns:r="http://schemas.openxmlformats.org/officeDocument/2006/relationships" xmlns:p="http://schemas.openxmlformats.org/presentationml/2006/main">
   <p:cSld>
     <p:spTree>
@@ -3266,7 +5048,7 @@
             <a:fld id="{B6F15528-21DE-4FAA-801E-634DDDAF4B2B}" type="slidenum">
               <a:rPr lang="en-US" smtClean="0"/>
               <a:pPr/>
-              <a:t>8</a:t>
+              <a:t>9</a:t>
             </a:fld>
             <a:endParaRPr lang="en-US" dirty="0"/>
           </a:p>
